--- a/artifacts/demo/Hackathon-2025-RecomMind.pptx
+++ b/artifacts/demo/Hackathon-2025-RecomMind.pptx
@@ -5,24 +5,26 @@
     <p:sldMasterId id="2147483648" r:id="rId1"/>
   </p:sldMasterIdLst>
   <p:notesMasterIdLst>
-    <p:notesMasterId r:id="rId15"/>
+    <p:notesMasterId r:id="rId17"/>
   </p:notesMasterIdLst>
   <p:handoutMasterIdLst>
-    <p:handoutMasterId r:id="rId16"/>
+    <p:handoutMasterId r:id="rId18"/>
   </p:handoutMasterIdLst>
   <p:sldIdLst>
     <p:sldId id="256" r:id="rId3"/>
     <p:sldId id="257" r:id="rId4"/>
     <p:sldId id="312" r:id="rId5"/>
-    <p:sldId id="321" r:id="rId6"/>
-    <p:sldId id="323" r:id="rId7"/>
-    <p:sldId id="322" r:id="rId8"/>
-    <p:sldId id="328" r:id="rId9"/>
-    <p:sldId id="311" r:id="rId10"/>
-    <p:sldId id="324" r:id="rId11"/>
-    <p:sldId id="325" r:id="rId12"/>
-    <p:sldId id="327" r:id="rId13"/>
-    <p:sldId id="326" r:id="rId14"/>
+    <p:sldId id="329" r:id="rId6"/>
+    <p:sldId id="331" r:id="rId7"/>
+    <p:sldId id="321" r:id="rId8"/>
+    <p:sldId id="323" r:id="rId9"/>
+    <p:sldId id="322" r:id="rId10"/>
+    <p:sldId id="328" r:id="rId11"/>
+    <p:sldId id="311" r:id="rId12"/>
+    <p:sldId id="324" r:id="rId13"/>
+    <p:sldId id="325" r:id="rId14"/>
+    <p:sldId id="327" r:id="rId15"/>
+    <p:sldId id="326" r:id="rId16"/>
   </p:sldIdLst>
   <p:sldSz cx="9601200" cy="6858000"/>
   <p:notesSz cx="9601200" cy="6858000"/>
@@ -2204,7 +2206,7 @@
                   <a:srgbClr val="00B0F0"/>
                 </a:solidFill>
               </a:rPr>
-              <a:t>Team:    </a:t>
+              <a:t>Team: </a:t>
             </a:r>
             <a:r>
               <a:rPr lang="en-IN" altLang="en-US" dirty="0">
@@ -2399,1870 +2401,6 @@
 </file>
 
 <file path=ppt/slides/slide10.xml><?xml version="1.0" encoding="utf-8"?>
-<p:sld xmlns:a="http://schemas.openxmlformats.org/drawingml/2006/main" xmlns:r="http://schemas.openxmlformats.org/officeDocument/2006/relationships" xmlns:p="http://schemas.openxmlformats.org/presentationml/2006/main">
-  <p:cSld>
-    <p:spTree>
-      <p:nvGrpSpPr>
-        <p:cNvPr id="1" name=""/>
-        <p:cNvGrpSpPr/>
-        <p:nvPr/>
-      </p:nvGrpSpPr>
-      <p:grpSpPr/>
-      <p:sp>
-        <p:nvSpPr>
-          <p:cNvPr id="2" name="Title 1"/>
-          <p:cNvSpPr>
-            <a:spLocks noGrp="1"/>
-          </p:cNvSpPr>
-          <p:nvPr>
-            <p:ph type="title"/>
-          </p:nvPr>
-        </p:nvSpPr>
-        <p:spPr>
-          <a:xfrm>
-            <a:off x="535945" y="276616"/>
-            <a:ext cx="8529319" cy="492125"/>
-          </a:xfrm>
-        </p:spPr>
-        <p:txBody>
-          <a:bodyPr/>
-          <a:p>
-            <a:r>
-              <a:rPr lang="en-IN" altLang="en-US"/>
-              <a:t>Technical Stack(Contd..)</a:t>
-            </a:r>
-            <a:endParaRPr lang="en-IN" altLang="en-US"/>
-          </a:p>
-        </p:txBody>
-      </p:sp>
-      <p:sp>
-        <p:nvSpPr>
-          <p:cNvPr id="3" name="Text Placeholder 2"/>
-          <p:cNvSpPr>
-            <a:spLocks noGrp="1"/>
-          </p:cNvSpPr>
-          <p:nvPr>
-            <p:ph type="body" idx="1"/>
-          </p:nvPr>
-        </p:nvSpPr>
-        <p:spPr>
-          <a:xfrm>
-            <a:off x="537529" y="1165779"/>
-            <a:ext cx="8526144" cy="5170805"/>
-          </a:xfrm>
-        </p:spPr>
-        <p:txBody>
-          <a:bodyPr/>
-          <a:p>
-            <a:pPr marL="285750" indent="-285750">
-              <a:buFont typeface="Arial" panose="020B0604020202020204" pitchFamily="34" charset="0"/>
-              <a:buChar char="•"/>
-            </a:pPr>
-            <a:r>
-              <a:rPr lang="en-US" altLang="en-US" sz="1600" b="1" dirty="0">
-                <a:sym typeface="+mn-ea"/>
-              </a:rPr>
-              <a:t>Service Matching</a:t>
-            </a:r>
-            <a:r>
-              <a:rPr lang="en-US" altLang="en-US" sz="1600" dirty="0">
-                <a:sym typeface="+mn-ea"/>
-              </a:rPr>
-              <a:t>:</a:t>
-            </a:r>
-            <a:endParaRPr lang="en-US" altLang="en-US" sz="1600" dirty="0"/>
-          </a:p>
-          <a:p>
-            <a:pPr marL="742950" lvl="1" indent="-285750">
-              <a:buFont typeface="Arial" panose="020B0604020202020204" pitchFamily="34" charset="0"/>
-              <a:buChar char="•"/>
-            </a:pPr>
-            <a:r>
-              <a:rPr lang="en-US" altLang="en-US" sz="1600" dirty="0">
-                <a:sym typeface="+mn-ea"/>
-              </a:rPr>
-              <a:t>Keyword Expansion: Expands customer interests and financial needs with emotional context</a:t>
-            </a:r>
-            <a:endParaRPr lang="en-US" altLang="en-US" sz="1600" dirty="0"/>
-          </a:p>
-          <a:p>
-            <a:pPr marL="742950" lvl="1" indent="-285750">
-              <a:buFont typeface="Arial" panose="020B0604020202020204" pitchFamily="34" charset="0"/>
-              <a:buChar char="•"/>
-            </a:pPr>
-            <a:r>
-              <a:rPr lang="en-US" altLang="en-US" sz="1600" dirty="0">
-                <a:sym typeface="+mn-ea"/>
-              </a:rPr>
-              <a:t>Fuzzy Matching: Matches expanded keywords with provider services using fuzzy matching algorithms</a:t>
-            </a:r>
-            <a:endParaRPr lang="en-US" altLang="en-US" sz="1600" dirty="0"/>
-          </a:p>
-          <a:p>
-            <a:pPr marL="285750" indent="-285750">
-              <a:buFont typeface="Arial" panose="020B0604020202020204" pitchFamily="34" charset="0"/>
-              <a:buChar char="•"/>
-            </a:pPr>
-            <a:r>
-              <a:rPr lang="en-US" altLang="en-US" sz="1600" b="1" dirty="0">
-                <a:sym typeface="+mn-ea"/>
-              </a:rPr>
-              <a:t>Message Generation</a:t>
-            </a:r>
-            <a:r>
-              <a:rPr lang="en-US" altLang="en-US" sz="1600" dirty="0">
-                <a:sym typeface="+mn-ea"/>
-              </a:rPr>
-              <a:t>:</a:t>
-            </a:r>
-            <a:endParaRPr lang="en-US" altLang="en-US" sz="1600" dirty="0"/>
-          </a:p>
-          <a:p>
-            <a:pPr marL="742950" lvl="1" indent="-285750">
-              <a:buFont typeface="Arial" panose="020B0604020202020204" pitchFamily="34" charset="0"/>
-              <a:buChar char="•"/>
-            </a:pPr>
-            <a:r>
-              <a:rPr lang="en-US" altLang="en-US" sz="1600" dirty="0">
-                <a:sym typeface="+mn-ea"/>
-              </a:rPr>
-              <a:t>Prompt Building: Constructs a prompt with customer details, spending behavior, and sentiment analysis</a:t>
-            </a:r>
-            <a:endParaRPr lang="en-US" altLang="en-US" sz="1600" dirty="0"/>
-          </a:p>
-          <a:p>
-            <a:pPr marL="742950" lvl="1" indent="-285750">
-              <a:buFont typeface="Arial" panose="020B0604020202020204" pitchFamily="34" charset="0"/>
-              <a:buChar char="•"/>
-            </a:pPr>
-            <a:r>
-              <a:rPr lang="en-US" altLang="en-US" sz="1600" dirty="0">
-                <a:sym typeface="+mn-ea"/>
-              </a:rPr>
-              <a:t>OpenAI GPT-4: Generates a personalized, empathetic message based on the prompt</a:t>
-            </a:r>
-            <a:endParaRPr lang="en-US" altLang="en-US" sz="1600" dirty="0"/>
-          </a:p>
-          <a:p>
-            <a:pPr marL="285750" indent="-285750">
-              <a:buFont typeface="Arial" panose="020B0604020202020204" pitchFamily="34" charset="0"/>
-              <a:buChar char="•"/>
-            </a:pPr>
-            <a:r>
-              <a:rPr lang="en-US" altLang="en-US" sz="1600" b="1" dirty="0">
-                <a:sym typeface="+mn-ea"/>
-              </a:rPr>
-              <a:t>Voice Integration</a:t>
-            </a:r>
-            <a:r>
-              <a:rPr lang="en-US" altLang="en-US" sz="1600" dirty="0">
-                <a:sym typeface="+mn-ea"/>
-              </a:rPr>
-              <a:t>:</a:t>
-            </a:r>
-            <a:endParaRPr lang="en-US" altLang="en-US" sz="1600" dirty="0"/>
-          </a:p>
-          <a:p>
-            <a:pPr marL="742950" lvl="1" indent="-285750">
-              <a:buFont typeface="Arial" panose="020B0604020202020204" pitchFamily="34" charset="0"/>
-              <a:buChar char="•"/>
-            </a:pPr>
-            <a:r>
-              <a:rPr lang="en-US" altLang="en-US" sz="1600" dirty="0">
-                <a:sym typeface="+mn-ea"/>
-              </a:rPr>
-              <a:t>Speech Recognition: Uses the Web Speech API for voice input</a:t>
-            </a:r>
-            <a:endParaRPr lang="en-US" altLang="en-US" sz="1600" dirty="0"/>
-          </a:p>
-          <a:p>
-            <a:pPr marL="742950" lvl="1" indent="-285750">
-              <a:buFont typeface="Arial" panose="020B0604020202020204" pitchFamily="34" charset="0"/>
-              <a:buChar char="•"/>
-            </a:pPr>
-            <a:r>
-              <a:rPr lang="en-US" altLang="en-US" sz="1600" dirty="0">
-                <a:sym typeface="+mn-ea"/>
-              </a:rPr>
-              <a:t>Voice Search: Converts voice input to text and processes it similarly to text search</a:t>
-            </a:r>
-            <a:endParaRPr lang="en-US" altLang="en-US" sz="1600" dirty="0"/>
-          </a:p>
-          <a:p>
-            <a:pPr marL="285750" indent="-285750">
-              <a:buFont typeface="Arial" panose="020B0604020202020204" pitchFamily="34" charset="0"/>
-              <a:buChar char="•"/>
-            </a:pPr>
-            <a:r>
-              <a:rPr lang="en-US" altLang="en-US" sz="1600" b="1" dirty="0">
-                <a:sym typeface="+mn-ea"/>
-              </a:rPr>
-              <a:t>Frontend Implementation</a:t>
-            </a:r>
-            <a:r>
-              <a:rPr lang="en-US" altLang="en-US" sz="1600" dirty="0">
-                <a:sym typeface="+mn-ea"/>
-              </a:rPr>
-              <a:t>:</a:t>
-            </a:r>
-            <a:endParaRPr lang="en-US" altLang="en-US" sz="1600" dirty="0"/>
-          </a:p>
-          <a:p>
-            <a:pPr marL="742950" lvl="1" indent="-285750">
-              <a:buFont typeface="Arial" panose="020B0604020202020204" pitchFamily="34" charset="0"/>
-              <a:buChar char="•"/>
-            </a:pPr>
-            <a:r>
-              <a:rPr lang="en-US" altLang="en-US" sz="1600" dirty="0">
-                <a:sym typeface="+mn-ea"/>
-              </a:rPr>
-              <a:t>HTML/CSS: Provides the structure and styling for the web application</a:t>
-            </a:r>
-            <a:endParaRPr lang="en-US" altLang="en-US" sz="1600" dirty="0"/>
-          </a:p>
-          <a:p>
-            <a:pPr marL="742950" lvl="1" indent="-285750">
-              <a:buFont typeface="Arial" panose="020B0604020202020204" pitchFamily="34" charset="0"/>
-              <a:buChar char="•"/>
-            </a:pPr>
-            <a:r>
-              <a:rPr lang="en-US" altLang="en-US" sz="1600" dirty="0">
-                <a:sym typeface="+mn-ea"/>
-              </a:rPr>
-              <a:t>JavaScript: Handles user interactions, fetches data from the backend, and updates the UI</a:t>
-            </a:r>
-            <a:endParaRPr lang="en-US" altLang="en-US" sz="1600" dirty="0"/>
-          </a:p>
-          <a:p>
-            <a:pPr marL="742950" lvl="1" indent="-285750">
-              <a:buFont typeface="Arial" panose="020B0604020202020204" pitchFamily="34" charset="0"/>
-              <a:buChar char="•"/>
-            </a:pPr>
-            <a:r>
-              <a:rPr lang="en-US" altLang="en-US" sz="1600" dirty="0">
-                <a:sym typeface="+mn-ea"/>
-              </a:rPr>
-              <a:t>Markdown Parsing: Uses the marked library to render Markdown responses as HTML</a:t>
-            </a:r>
-            <a:endParaRPr lang="en-US" altLang="en-US" sz="1600" dirty="0"/>
-          </a:p>
-          <a:p>
-            <a:pPr marL="285750" indent="-285750">
-              <a:buFont typeface="Arial" panose="020B0604020202020204" pitchFamily="34" charset="0"/>
-              <a:buChar char="•"/>
-            </a:pPr>
-            <a:r>
-              <a:rPr lang="en-US" altLang="en-US" sz="1600" b="1" dirty="0">
-                <a:sym typeface="+mn-ea"/>
-              </a:rPr>
-              <a:t>Security</a:t>
-            </a:r>
-            <a:r>
-              <a:rPr lang="en-US" altLang="en-US" sz="1600" dirty="0">
-                <a:sym typeface="+mn-ea"/>
-              </a:rPr>
-              <a:t>:</a:t>
-            </a:r>
-            <a:endParaRPr lang="en-US" altLang="en-US" sz="1600" dirty="0"/>
-          </a:p>
-          <a:p>
-            <a:pPr marL="742950" lvl="1" indent="-285750">
-              <a:buFont typeface="Arial" panose="020B0604020202020204" pitchFamily="34" charset="0"/>
-              <a:buChar char="•"/>
-            </a:pPr>
-            <a:r>
-              <a:rPr lang="en-US" altLang="en-US" sz="1600" dirty="0">
-                <a:sym typeface="+mn-ea"/>
-              </a:rPr>
-              <a:t>CSRF Protection: Ensures secure communication between frontend and backend using CSRF tokens</a:t>
-            </a:r>
-            <a:endParaRPr lang="en-US" altLang="en-US" sz="1600" dirty="0"/>
-          </a:p>
-          <a:p>
-            <a:pPr marL="285750" indent="-285750">
-              <a:buFont typeface="Arial" panose="020B0604020202020204" pitchFamily="34" charset="0"/>
-              <a:buChar char="•"/>
-            </a:pPr>
-            <a:r>
-              <a:rPr lang="en-US" altLang="en-US" sz="1600" b="1" dirty="0">
-                <a:sym typeface="+mn-ea"/>
-              </a:rPr>
-              <a:t>Deployment</a:t>
-            </a:r>
-            <a:r>
-              <a:rPr lang="en-US" altLang="en-US" sz="1600" dirty="0">
-                <a:sym typeface="+mn-ea"/>
-              </a:rPr>
-              <a:t>:</a:t>
-            </a:r>
-            <a:endParaRPr lang="en-US" altLang="en-US" sz="1600" dirty="0"/>
-          </a:p>
-          <a:p>
-            <a:pPr marL="742950" lvl="1" indent="-285750">
-              <a:buFont typeface="Arial" panose="020B0604020202020204" pitchFamily="34" charset="0"/>
-              <a:buChar char="•"/>
-            </a:pPr>
-            <a:r>
-              <a:rPr lang="en-US" altLang="en-US" sz="1600" dirty="0">
-                <a:sym typeface="+mn-ea"/>
-              </a:rPr>
-              <a:t>Hosting: Deployed on a web server with Django handling the backend and static files served for the frontend</a:t>
-            </a:r>
-            <a:endParaRPr lang="en-US" altLang="en-US" sz="1600"/>
-          </a:p>
-        </p:txBody>
-      </p:sp>
-    </p:spTree>
-  </p:cSld>
-  <p:clrMapOvr>
-    <a:masterClrMapping/>
-  </p:clrMapOvr>
-</p:sld>
-</file>
-
-<file path=ppt/slides/slide11.xml><?xml version="1.0" encoding="utf-8"?>
-<p:sld xmlns:a="http://schemas.openxmlformats.org/drawingml/2006/main" xmlns:r="http://schemas.openxmlformats.org/officeDocument/2006/relationships" xmlns:p="http://schemas.openxmlformats.org/presentationml/2006/main">
-  <p:cSld>
-    <p:spTree>
-      <p:nvGrpSpPr>
-        <p:cNvPr id="1" name=""/>
-        <p:cNvGrpSpPr/>
-        <p:nvPr/>
-      </p:nvGrpSpPr>
-      <p:grpSpPr/>
-      <p:sp>
-        <p:nvSpPr>
-          <p:cNvPr id="2" name="Title 1"/>
-          <p:cNvSpPr>
-            <a:spLocks noGrp="1"/>
-          </p:cNvSpPr>
-          <p:nvPr>
-            <p:ph type="title"/>
-          </p:nvPr>
-        </p:nvSpPr>
-        <p:spPr>
-          <a:xfrm>
-            <a:off x="535945" y="276616"/>
-            <a:ext cx="8529319" cy="492125"/>
-          </a:xfrm>
-        </p:spPr>
-        <p:txBody>
-          <a:bodyPr/>
-          <a:p>
-            <a:r>
-              <a:rPr lang="en-IN" altLang="en-US"/>
-              <a:t>Future Scope</a:t>
-            </a:r>
-            <a:endParaRPr lang="en-IN" altLang="en-US"/>
-          </a:p>
-        </p:txBody>
-      </p:sp>
-      <p:sp>
-        <p:nvSpPr>
-          <p:cNvPr id="3" name="Text Placeholder 2"/>
-          <p:cNvSpPr>
-            <a:spLocks noGrp="1"/>
-          </p:cNvSpPr>
-          <p:nvPr>
-            <p:ph type="body" idx="1"/>
-          </p:nvPr>
-        </p:nvSpPr>
-        <p:spPr>
-          <a:xfrm>
-            <a:off x="537529" y="1165779"/>
-            <a:ext cx="8526144" cy="3601085"/>
-          </a:xfrm>
-        </p:spPr>
-        <p:txBody>
-          <a:bodyPr/>
-          <a:p>
-            <a:pPr marL="285750" indent="-285750">
-              <a:buFont typeface="Arial" panose="020B0604020202020204" pitchFamily="34" charset="0"/>
-              <a:buChar char="•"/>
-            </a:pPr>
-            <a:r>
-              <a:rPr lang="en-IN" altLang="en-US"/>
-              <a:t>Implement a data extraction as an automated pipeline. </a:t>
-            </a:r>
-            <a:r>
-              <a:rPr lang="en-IN" altLang="en-US" dirty="0">
-                <a:sym typeface="+mn-ea"/>
-              </a:rPr>
-              <a:t>Robust data pipeline should be implemented for maintaining latest data relevant for each customers.</a:t>
-            </a:r>
-            <a:endParaRPr lang="en-IN" altLang="en-US"/>
-          </a:p>
-          <a:p>
-            <a:pPr marL="285750" indent="-285750">
-              <a:buFont typeface="Arial" panose="020B0604020202020204" pitchFamily="34" charset="0"/>
-              <a:buChar char="•"/>
-            </a:pPr>
-            <a:r>
-              <a:rPr lang="en-IN" altLang="en-US"/>
-              <a:t>Automate real time model training and trigger it based on events like when the user posts on social media.</a:t>
-            </a:r>
-            <a:endParaRPr lang="en-IN" altLang="en-US"/>
-          </a:p>
-          <a:p>
-            <a:pPr marL="285750" indent="-285750">
-              <a:buFont typeface="Arial" panose="020B0604020202020204" pitchFamily="34" charset="0"/>
-              <a:buChar char="•"/>
-            </a:pPr>
-            <a:r>
-              <a:rPr lang="en-IN" altLang="en-US"/>
-              <a:t>Currently, we used excel files as the data source. We would like to use a database to store data and recommendations history.</a:t>
-            </a:r>
-            <a:endParaRPr lang="en-IN" altLang="en-US"/>
-          </a:p>
-          <a:p>
-            <a:pPr marL="285750" indent="-285750">
-              <a:buFont typeface="Arial" panose="020B0604020202020204" pitchFamily="34" charset="0"/>
-              <a:buChar char="•"/>
-            </a:pPr>
-            <a:r>
-              <a:rPr lang="en-IN" altLang="en-US"/>
-              <a:t>The business provider side of implementation to provide insights for targeted marketing, customer engagement, etc mentioned in previous slides.</a:t>
-            </a:r>
-            <a:endParaRPr lang="en-IN" altLang="en-US"/>
-          </a:p>
-          <a:p>
-            <a:pPr marL="285750" indent="-285750">
-              <a:buFont typeface="Arial" panose="020B0604020202020204" pitchFamily="34" charset="0"/>
-              <a:buChar char="•"/>
-            </a:pPr>
-            <a:r>
-              <a:rPr lang="en-IN" altLang="en-US" dirty="0">
-                <a:sym typeface="+mn-ea"/>
-              </a:rPr>
-              <a:t>Integrated RAG approach for further curating response</a:t>
-            </a:r>
-            <a:endParaRPr lang="en-IN" altLang="en-US" dirty="0"/>
-          </a:p>
-          <a:p>
-            <a:pPr marL="285750" indent="-285750">
-              <a:buFont typeface="Arial" panose="020B0604020202020204" pitchFamily="34" charset="0"/>
-              <a:buChar char="•"/>
-            </a:pPr>
-            <a:r>
-              <a:rPr lang="en-IN" altLang="en-US" dirty="0">
-                <a:sym typeface="+mn-ea"/>
-              </a:rPr>
-              <a:t>Implementing security and privacy features when it comes to web application</a:t>
-            </a:r>
-            <a:endParaRPr lang="en-IN" altLang="en-US" dirty="0"/>
-          </a:p>
-          <a:p>
-            <a:pPr marL="285750" indent="-285750">
-              <a:buFont typeface="Arial" panose="020B0604020202020204" pitchFamily="34" charset="0"/>
-              <a:buChar char="•"/>
-            </a:pPr>
-            <a:r>
-              <a:rPr lang="en-IN" altLang="en-US" dirty="0">
-                <a:sym typeface="+mn-ea"/>
-              </a:rPr>
-              <a:t>Further advancement to support organizations to meet their financial goals</a:t>
-            </a:r>
-            <a:endParaRPr lang="en-IN" altLang="en-US"/>
-          </a:p>
-          <a:p>
-            <a:pPr marL="285750" indent="-285750">
-              <a:buFont typeface="Arial" panose="020B0604020202020204" pitchFamily="34" charset="0"/>
-              <a:buChar char="•"/>
-            </a:pPr>
-            <a:endParaRPr lang="en-IN" altLang="en-US"/>
-          </a:p>
-          <a:p>
-            <a:pPr marL="285750" indent="-285750">
-              <a:buFont typeface="Arial" panose="020B0604020202020204" pitchFamily="34" charset="0"/>
-              <a:buChar char="•"/>
-            </a:pPr>
-            <a:endParaRPr lang="en-IN" altLang="en-US"/>
-          </a:p>
-        </p:txBody>
-      </p:sp>
-    </p:spTree>
-  </p:cSld>
-  <p:clrMapOvr>
-    <a:masterClrMapping/>
-  </p:clrMapOvr>
-</p:sld>
-</file>
-
-<file path=ppt/slides/slide12.xml><?xml version="1.0" encoding="utf-8"?>
-<p:sld xmlns:a="http://schemas.openxmlformats.org/drawingml/2006/main" xmlns:r="http://schemas.openxmlformats.org/officeDocument/2006/relationships" xmlns:p="http://schemas.openxmlformats.org/presentationml/2006/main">
-  <p:cSld>
-    <p:spTree>
-      <p:nvGrpSpPr>
-        <p:cNvPr id="1" name=""/>
-        <p:cNvGrpSpPr/>
-        <p:nvPr/>
-      </p:nvGrpSpPr>
-      <p:grpSpPr/>
-      <p:sp>
-        <p:nvSpPr>
-          <p:cNvPr id="2" name="Title 1"/>
-          <p:cNvSpPr>
-            <a:spLocks noGrp="1"/>
-          </p:cNvSpPr>
-          <p:nvPr>
-            <p:ph type="title"/>
-          </p:nvPr>
-        </p:nvSpPr>
-        <p:spPr>
-          <a:xfrm>
-            <a:off x="535945" y="276616"/>
-            <a:ext cx="8529319" cy="492125"/>
-          </a:xfrm>
-        </p:spPr>
-        <p:txBody>
-          <a:bodyPr/>
-          <a:p>
-            <a:r>
-              <a:rPr lang="en-IN" altLang="en-US"/>
-              <a:t>Challanges We Faced</a:t>
-            </a:r>
-            <a:endParaRPr lang="en-IN" altLang="en-US"/>
-          </a:p>
-        </p:txBody>
-      </p:sp>
-      <p:sp>
-        <p:nvSpPr>
-          <p:cNvPr id="3" name="Text Placeholder 2"/>
-          <p:cNvSpPr>
-            <a:spLocks noGrp="1"/>
-          </p:cNvSpPr>
-          <p:nvPr>
-            <p:ph type="body" idx="1"/>
-          </p:nvPr>
-        </p:nvSpPr>
-        <p:spPr>
-          <a:xfrm>
-            <a:off x="537529" y="1165779"/>
-            <a:ext cx="8526144" cy="2769870"/>
-          </a:xfrm>
-        </p:spPr>
-        <p:txBody>
-          <a:bodyPr/>
-          <a:p>
-            <a:pPr marL="285750" indent="-285750">
-              <a:buFont typeface="Arial" panose="020B0604020202020204" pitchFamily="34" charset="0"/>
-              <a:buChar char="•"/>
-            </a:pPr>
-            <a:r>
-              <a:rPr lang="en-IN" altLang="en-US"/>
-              <a:t>Free LLMs or Libraries available often comes with a limit. </a:t>
-            </a:r>
-            <a:r>
-              <a:rPr lang="en-US" altLang="en-US"/>
-              <a:t>Balancing the computational demands of LLMs and sentiment analysis with the need for quick and responsive user interactions.</a:t>
-            </a:r>
-            <a:endParaRPr lang="en-US" altLang="en-US"/>
-          </a:p>
-          <a:p>
-            <a:pPr marL="285750" indent="-285750">
-              <a:buFont typeface="Arial" panose="020B0604020202020204" pitchFamily="34" charset="0"/>
-              <a:buChar char="•"/>
-            </a:pPr>
-            <a:r>
-              <a:rPr lang="en-US" altLang="en-US"/>
-              <a:t>Combining customer profile data, spending history, and social media sentiment into a cohesive and usable format was complex.</a:t>
-            </a:r>
-            <a:endParaRPr lang="en-US" altLang="en-US"/>
-          </a:p>
-          <a:p>
-            <a:pPr marL="285750" indent="-285750">
-              <a:buFont typeface="Arial" panose="020B0604020202020204" pitchFamily="34" charset="0"/>
-              <a:buChar char="•"/>
-            </a:pPr>
-            <a:r>
-              <a:rPr lang="en-IN" altLang="en-US"/>
-              <a:t>We could have explored some cloud platform like Google Cloud or Azure Open AI, so that infrastructure set up would have taken less time and it would have been easier to switch models to test optimum results.</a:t>
-            </a:r>
-            <a:endParaRPr lang="en-IN" altLang="en-US"/>
-          </a:p>
-          <a:p>
-            <a:pPr marL="285750" indent="-285750">
-              <a:buFont typeface="Arial" panose="020B0604020202020204" pitchFamily="34" charset="0"/>
-              <a:buChar char="•"/>
-            </a:pPr>
-            <a:r>
-              <a:rPr lang="en-IN" altLang="en-US"/>
-              <a:t>We understand the models we used for proptotype are very basic and will need fine tuning to optimize recommendations. </a:t>
-            </a:r>
-            <a:endParaRPr lang="en-IN" altLang="en-US"/>
-          </a:p>
-        </p:txBody>
-      </p:sp>
-    </p:spTree>
-  </p:cSld>
-  <p:clrMapOvr>
-    <a:masterClrMapping/>
-  </p:clrMapOvr>
-</p:sld>
-</file>
-
-<file path=ppt/slides/slide2.xml><?xml version="1.0" encoding="utf-8"?>
-<p:sld xmlns:a="http://schemas.openxmlformats.org/drawingml/2006/main" xmlns:r="http://schemas.openxmlformats.org/officeDocument/2006/relationships" xmlns:p="http://schemas.openxmlformats.org/presentationml/2006/main" showMasterSp="0">
-  <p:cSld>
-    <p:spTree>
-      <p:nvGrpSpPr>
-        <p:cNvPr id="1" name=""/>
-        <p:cNvGrpSpPr/>
-        <p:nvPr/>
-      </p:nvGrpSpPr>
-      <p:grpSpPr>
-        <a:xfrm>
-          <a:off x="0" y="0"/>
-          <a:ext cx="0" cy="0"/>
-          <a:chOff x="0" y="0"/>
-          <a:chExt cx="0" cy="0"/>
-        </a:xfrm>
-      </p:grpSpPr>
-      <p:sp>
-        <p:nvSpPr>
-          <p:cNvPr id="5" name="object 5"/>
-          <p:cNvSpPr txBox="1">
-            <a:spLocks noGrp="1"/>
-          </p:cNvSpPr>
-          <p:nvPr>
-            <p:ph type="sldNum" sz="quarter" idx="7"/>
-          </p:nvPr>
-        </p:nvSpPr>
-        <p:spPr>
-          <a:xfrm>
-            <a:off x="9387972" y="6711455"/>
-            <a:ext cx="212725" cy="153888"/>
-          </a:xfrm>
-          <a:prstGeom prst="rect">
-            <a:avLst/>
-          </a:prstGeom>
-        </p:spPr>
-        <p:txBody>
-          <a:bodyPr vert="horz" wrap="square" lIns="0" tIns="0" rIns="0" bIns="0" rtlCol="0">
-            <a:spAutoFit/>
-          </a:bodyPr>
-          <a:lstStyle/>
-          <a:p>
-            <a:pPr marL="25400">
-              <a:lnSpc>
-                <a:spcPct val="100000"/>
-              </a:lnSpc>
-            </a:pPr>
-            <a:r>
-              <a:rPr dirty="0"/>
-              <a:t>1</a:t>
-            </a:r>
-            <a:endParaRPr dirty="0"/>
-          </a:p>
-        </p:txBody>
-      </p:sp>
-      <p:sp>
-        <p:nvSpPr>
-          <p:cNvPr id="2" name="object 2"/>
-          <p:cNvSpPr txBox="1">
-            <a:spLocks noGrp="1"/>
-          </p:cNvSpPr>
-          <p:nvPr>
-            <p:ph type="title"/>
-          </p:nvPr>
-        </p:nvSpPr>
-        <p:spPr>
-          <a:xfrm>
-            <a:off x="612140" y="498165"/>
-            <a:ext cx="8150860" cy="492443"/>
-          </a:xfrm>
-          <a:prstGeom prst="rect">
-            <a:avLst/>
-          </a:prstGeom>
-        </p:spPr>
-        <p:txBody>
-          <a:bodyPr vert="horz" wrap="square" lIns="0" tIns="0" rIns="0" bIns="0" rtlCol="0">
-            <a:spAutoFit/>
-          </a:bodyPr>
-          <a:lstStyle/>
-          <a:p>
-            <a:pPr marL="12700">
-              <a:lnSpc>
-                <a:spcPct val="100000"/>
-              </a:lnSpc>
-            </a:pPr>
-            <a:r>
-              <a:rPr lang="en-US" spc="-5" dirty="0"/>
-              <a:t>Challenge Description</a:t>
-            </a:r>
-            <a:endParaRPr lang="en-US" spc="-5" dirty="0"/>
-          </a:p>
-        </p:txBody>
-      </p:sp>
-      <p:sp>
-        <p:nvSpPr>
-          <p:cNvPr id="3" name="object 3"/>
-          <p:cNvSpPr txBox="1"/>
-          <p:nvPr/>
-        </p:nvSpPr>
-        <p:spPr>
-          <a:xfrm>
-            <a:off x="609600" y="1518959"/>
-            <a:ext cx="7749540" cy="4486910"/>
-          </a:xfrm>
-          <a:prstGeom prst="rect">
-            <a:avLst/>
-          </a:prstGeom>
-        </p:spPr>
-        <p:txBody>
-          <a:bodyPr vert="horz" wrap="square" lIns="0" tIns="0" rIns="0" bIns="0" rtlCol="0">
-            <a:spAutoFit/>
-          </a:bodyPr>
-          <a:lstStyle/>
-          <a:p>
-            <a:pPr marL="12700" marR="5080" indent="0">
-              <a:lnSpc>
-                <a:spcPct val="150000"/>
-              </a:lnSpc>
-              <a:buFont typeface="Arial" panose="020B0604020202020204" pitchFamily="34" charset="0"/>
-              <a:buNone/>
-              <a:tabLst>
-                <a:tab pos="298450" algn="l"/>
-              </a:tabLst>
-            </a:pPr>
-            <a:r>
-              <a:rPr lang="en-US" altLang="en-US"/>
-              <a:t>Modern customers expect highly personalized experiences that cater to their unique preferences. In this hackathon, participants will develop a Generative AI-driven solution that enhances hyper-personalization by analyzing customer profiles, social media activity, purchase history, sentiment data, and demographic details. The challenge is to design a system that generates personalized recommendations for products, services, or content while also providing actionable insights for businesses to optimize customer engagement.</a:t>
-            </a:r>
-            <a:endParaRPr lang="en-US" altLang="en-US"/>
-          </a:p>
-          <a:p>
-            <a:pPr marL="298450" marR="5080" indent="-285750">
-              <a:lnSpc>
-                <a:spcPct val="150000"/>
-              </a:lnSpc>
-              <a:buFont typeface="Arial" panose="020B0604020202020204" pitchFamily="34" charset="0"/>
-              <a:buChar char="•"/>
-              <a:tabLst>
-                <a:tab pos="298450" algn="l"/>
-              </a:tabLst>
-            </a:pPr>
-            <a:endParaRPr lang="en-US"/>
-          </a:p>
-          <a:p>
-            <a:pPr marL="298450" marR="5080" indent="-285750">
-              <a:lnSpc>
-                <a:spcPct val="150000"/>
-              </a:lnSpc>
-              <a:buFont typeface="Arial" panose="020B0604020202020204" pitchFamily="34" charset="0"/>
-              <a:buChar char="•"/>
-              <a:tabLst>
-                <a:tab pos="298450" algn="l"/>
-              </a:tabLst>
-            </a:pPr>
-            <a:endParaRPr lang="en-US"/>
-          </a:p>
-          <a:p>
-            <a:pPr marL="298450" marR="5080" indent="-285750">
-              <a:lnSpc>
-                <a:spcPct val="150000"/>
-              </a:lnSpc>
-              <a:buFont typeface="Arial" panose="020B0604020202020204" pitchFamily="34" charset="0"/>
-              <a:buChar char="•"/>
-              <a:tabLst>
-                <a:tab pos="298450" algn="l"/>
-              </a:tabLst>
-            </a:pPr>
-            <a:endParaRPr lang="en-US"/>
-          </a:p>
-          <a:p>
-            <a:pPr marL="12700" marR="5080">
-              <a:lnSpc>
-                <a:spcPct val="120000"/>
-              </a:lnSpc>
-              <a:tabLst>
-                <a:tab pos="298450" algn="l"/>
-              </a:tabLst>
-            </a:pPr>
-            <a:endParaRPr lang="en-US"/>
-          </a:p>
-        </p:txBody>
-      </p:sp>
-      <p:sp>
-        <p:nvSpPr>
-          <p:cNvPr id="4" name="object 4"/>
-          <p:cNvSpPr/>
-          <p:nvPr/>
-        </p:nvSpPr>
-        <p:spPr>
-          <a:xfrm>
-            <a:off x="701674" y="1143000"/>
-            <a:ext cx="7375526" cy="375959"/>
-          </a:xfrm>
-          <a:custGeom>
-            <a:avLst/>
-            <a:gdLst/>
-            <a:ahLst/>
-            <a:cxnLst/>
-            <a:rect l="l" t="t" r="r" b="b"/>
-            <a:pathLst>
-              <a:path w="5775325">
-                <a:moveTo>
-                  <a:pt x="0" y="0"/>
-                </a:moveTo>
-                <a:lnTo>
-                  <a:pt x="5775325" y="0"/>
-                </a:lnTo>
-              </a:path>
-            </a:pathLst>
-          </a:custGeom>
-          <a:ln w="38100">
-            <a:solidFill>
-              <a:srgbClr val="5A5D62"/>
-            </a:solidFill>
-          </a:ln>
-        </p:spPr>
-        <p:txBody>
-          <a:bodyPr wrap="square" lIns="0" tIns="0" rIns="0" bIns="0" rtlCol="0"/>
-          <a:lstStyle/>
-          <a:p>
-            <a:endParaRPr dirty="0"/>
-          </a:p>
-        </p:txBody>
-      </p:sp>
-    </p:spTree>
-  </p:cSld>
-  <p:clrMapOvr>
-    <a:masterClrMapping/>
-  </p:clrMapOvr>
-  <p:transition>
-    <p:fade/>
-  </p:transition>
-</p:sld>
-</file>
-
-<file path=ppt/slides/slide3.xml><?xml version="1.0" encoding="utf-8"?>
-<p:sld xmlns:a="http://schemas.openxmlformats.org/drawingml/2006/main" xmlns:r="http://schemas.openxmlformats.org/officeDocument/2006/relationships" xmlns:p="http://schemas.openxmlformats.org/presentationml/2006/main" showMasterSp="0">
-  <p:cSld>
-    <p:spTree>
-      <p:nvGrpSpPr>
-        <p:cNvPr id="1" name=""/>
-        <p:cNvGrpSpPr/>
-        <p:nvPr/>
-      </p:nvGrpSpPr>
-      <p:grpSpPr>
-        <a:xfrm>
-          <a:off x="0" y="0"/>
-          <a:ext cx="0" cy="0"/>
-          <a:chOff x="0" y="0"/>
-          <a:chExt cx="0" cy="0"/>
-        </a:xfrm>
-      </p:grpSpPr>
-      <p:sp>
-        <p:nvSpPr>
-          <p:cNvPr id="5" name="object 5"/>
-          <p:cNvSpPr txBox="1">
-            <a:spLocks noGrp="1"/>
-          </p:cNvSpPr>
-          <p:nvPr>
-            <p:ph type="sldNum" sz="quarter" idx="7"/>
-          </p:nvPr>
-        </p:nvSpPr>
-        <p:spPr>
-          <a:xfrm>
-            <a:off x="9387972" y="6711455"/>
-            <a:ext cx="212725" cy="153888"/>
-          </a:xfrm>
-          <a:prstGeom prst="rect">
-            <a:avLst/>
-          </a:prstGeom>
-        </p:spPr>
-        <p:txBody>
-          <a:bodyPr vert="horz" wrap="square" lIns="0" tIns="0" rIns="0" bIns="0" rtlCol="0">
-            <a:spAutoFit/>
-          </a:bodyPr>
-          <a:lstStyle/>
-          <a:p>
-            <a:pPr marL="25400" marR="0" lvl="0" indent="0" algn="l" defTabSz="914400" rtl="0" eaLnBrk="1" fontAlgn="auto" latinLnBrk="0" hangingPunct="1">
-              <a:lnSpc>
-                <a:spcPct val="100000"/>
-              </a:lnSpc>
-              <a:spcBef>
-                <a:spcPts val="0"/>
-              </a:spcBef>
-              <a:spcAft>
-                <a:spcPts val="0"/>
-              </a:spcAft>
-              <a:buClrTx/>
-              <a:buSzTx/>
-              <a:buFontTx/>
-              <a:buNone/>
-              <a:defRPr/>
-            </a:pPr>
-            <a:r>
-              <a:rPr kumimoji="0" sz="1000" b="0" i="0" u="none" strike="noStrike" kern="1200" cap="none" spc="0" normalizeH="0" baseline="0" noProof="0" dirty="0">
-                <a:ln>
-                  <a:noFill/>
-                </a:ln>
-                <a:solidFill>
-                  <a:srgbClr val="626366"/>
-                </a:solidFill>
-                <a:effectLst/>
-                <a:uLnTx/>
-                <a:uFillTx/>
-                <a:latin typeface="Verdana" panose="020B0604030504040204"/>
-                <a:ea typeface="+mn-ea"/>
-              </a:rPr>
-              <a:t>1</a:t>
-            </a:r>
-            <a:endParaRPr kumimoji="0" sz="1000" b="0" i="0" u="none" strike="noStrike" kern="1200" cap="none" spc="0" normalizeH="0" baseline="0" noProof="0" dirty="0">
-              <a:ln>
-                <a:noFill/>
-              </a:ln>
-              <a:solidFill>
-                <a:srgbClr val="626366"/>
-              </a:solidFill>
-              <a:effectLst/>
-              <a:uLnTx/>
-              <a:uFillTx/>
-              <a:latin typeface="Verdana" panose="020B0604030504040204"/>
-              <a:ea typeface="+mn-ea"/>
-            </a:endParaRPr>
-          </a:p>
-        </p:txBody>
-      </p:sp>
-      <p:sp>
-        <p:nvSpPr>
-          <p:cNvPr id="2" name="object 2"/>
-          <p:cNvSpPr txBox="1">
-            <a:spLocks noGrp="1"/>
-          </p:cNvSpPr>
-          <p:nvPr>
-            <p:ph type="title"/>
-          </p:nvPr>
-        </p:nvSpPr>
-        <p:spPr>
-          <a:xfrm>
-            <a:off x="612140" y="498165"/>
-            <a:ext cx="8150860" cy="492125"/>
-          </a:xfrm>
-          <a:prstGeom prst="rect">
-            <a:avLst/>
-          </a:prstGeom>
-        </p:spPr>
-        <p:txBody>
-          <a:bodyPr vert="horz" wrap="square" lIns="0" tIns="0" rIns="0" bIns="0" rtlCol="0">
-            <a:spAutoFit/>
-          </a:bodyPr>
-          <a:lstStyle/>
-          <a:p>
-            <a:pPr marL="12700">
-              <a:lnSpc>
-                <a:spcPct val="100000"/>
-              </a:lnSpc>
-            </a:pPr>
-            <a:r>
-              <a:rPr lang="en-IN" altLang="en-US" spc="-5" dirty="0"/>
-              <a:t>Solution Overview</a:t>
-            </a:r>
-            <a:endParaRPr lang="en-IN" altLang="en-US" spc="-5" dirty="0"/>
-          </a:p>
-        </p:txBody>
-      </p:sp>
-      <p:sp>
-        <p:nvSpPr>
-          <p:cNvPr id="4" name="object 4"/>
-          <p:cNvSpPr/>
-          <p:nvPr/>
-        </p:nvSpPr>
-        <p:spPr>
-          <a:xfrm>
-            <a:off x="701674" y="1143000"/>
-            <a:ext cx="7189542" cy="375959"/>
-          </a:xfrm>
-          <a:custGeom>
-            <a:avLst/>
-            <a:gdLst/>
-            <a:ahLst/>
-            <a:cxnLst/>
-            <a:rect l="l" t="t" r="r" b="b"/>
-            <a:pathLst>
-              <a:path w="5775325">
-                <a:moveTo>
-                  <a:pt x="0" y="0"/>
-                </a:moveTo>
-                <a:lnTo>
-                  <a:pt x="5775325" y="0"/>
-                </a:lnTo>
-              </a:path>
-            </a:pathLst>
-          </a:custGeom>
-          <a:ln w="38100">
-            <a:solidFill>
-              <a:srgbClr val="5A5D62"/>
-            </a:solidFill>
-          </a:ln>
-        </p:spPr>
-        <p:txBody>
-          <a:bodyPr wrap="square" lIns="0" tIns="0" rIns="0" bIns="0" rtlCol="0"/>
-          <a:lstStyle/>
-          <a:p>
-            <a:pPr marL="0" marR="0" lvl="0" indent="0" algn="l" defTabSz="914400" rtl="0" eaLnBrk="1" fontAlgn="auto" latinLnBrk="0" hangingPunct="1">
-              <a:lnSpc>
-                <a:spcPct val="100000"/>
-              </a:lnSpc>
-              <a:spcBef>
-                <a:spcPts val="0"/>
-              </a:spcBef>
-              <a:spcAft>
-                <a:spcPts val="0"/>
-              </a:spcAft>
-              <a:buClrTx/>
-              <a:buSzTx/>
-              <a:buFontTx/>
-              <a:buNone/>
-              <a:defRPr/>
-            </a:pPr>
-            <a:endParaRPr kumimoji="0" sz="1800" b="0" i="0" u="none" strike="noStrike" kern="1200" cap="none" spc="0" normalizeH="0" baseline="0" noProof="0" dirty="0">
-              <a:ln>
-                <a:noFill/>
-              </a:ln>
-              <a:solidFill>
-                <a:prstClr val="black"/>
-              </a:solidFill>
-              <a:effectLst/>
-              <a:uLnTx/>
-              <a:uFillTx/>
-              <a:latin typeface="Calibri" panose="020F0502020204030204"/>
-              <a:ea typeface="+mn-ea"/>
-              <a:cs typeface="+mn-cs"/>
-            </a:endParaRPr>
-          </a:p>
-        </p:txBody>
-      </p:sp>
-      <p:sp>
-        <p:nvSpPr>
-          <p:cNvPr id="3" name="Text Box 2"/>
-          <p:cNvSpPr txBox="1"/>
-          <p:nvPr/>
-        </p:nvSpPr>
-        <p:spPr>
-          <a:xfrm>
-            <a:off x="982980" y="1718945"/>
-            <a:ext cx="3200400" cy="368300"/>
-          </a:xfrm>
-          <a:prstGeom prst="rect">
-            <a:avLst/>
-          </a:prstGeom>
-          <a:noFill/>
-        </p:spPr>
-        <p:txBody>
-          <a:bodyPr wrap="square" rtlCol="0">
-            <a:spAutoFit/>
-          </a:bodyPr>
-          <a:p>
-            <a:endParaRPr lang="en-US"/>
-          </a:p>
-        </p:txBody>
-      </p:sp>
-      <p:sp>
-        <p:nvSpPr>
-          <p:cNvPr id="9" name="Text Box 8"/>
-          <p:cNvSpPr txBox="1"/>
-          <p:nvPr/>
-        </p:nvSpPr>
-        <p:spPr>
-          <a:xfrm>
-            <a:off x="671830" y="1530350"/>
-            <a:ext cx="8532495" cy="4807585"/>
-          </a:xfrm>
-          <a:prstGeom prst="rect">
-            <a:avLst/>
-          </a:prstGeom>
-          <a:noFill/>
-        </p:spPr>
-        <p:txBody>
-          <a:bodyPr wrap="square" rtlCol="0">
-            <a:noAutofit/>
-          </a:bodyPr>
-          <a:p>
-            <a:pPr marL="285750" indent="-285750">
-              <a:buFont typeface="Arial" panose="020B0604020202020204" pitchFamily="34" charset="0"/>
-              <a:buChar char="•"/>
-            </a:pPr>
-            <a:r>
-              <a:rPr lang="en-IN" altLang="en-US"/>
-              <a:t>The product name is called “</a:t>
-            </a:r>
-            <a:r>
-              <a:rPr lang="en-US" altLang="en-US" b="1"/>
-              <a:t>HyperFin</a:t>
-            </a:r>
-            <a:r>
-              <a:rPr lang="en-IN" altLang="en-US"/>
-              <a:t>”</a:t>
-            </a:r>
-            <a:endParaRPr lang="en-US" altLang="en-US"/>
-          </a:p>
-          <a:p>
-            <a:pPr marL="285750" indent="-285750">
-              <a:buFont typeface="Arial" panose="020B0604020202020204" pitchFamily="34" charset="0"/>
-              <a:buChar char="•"/>
-            </a:pPr>
-            <a:r>
-              <a:rPr lang="en-US" altLang="en-US"/>
-              <a:t>HyperFin</a:t>
-            </a:r>
-            <a:r>
-              <a:rPr lang="en-IN" altLang="en-US"/>
-              <a:t> </a:t>
-            </a:r>
-            <a:r>
-              <a:rPr lang="en-US" altLang="en-US"/>
-              <a:t>is an </a:t>
-            </a:r>
-            <a:r>
-              <a:rPr lang="en-US" altLang="en-US" b="1"/>
-              <a:t>AI-driven virtual financial guru</a:t>
-            </a:r>
-            <a:r>
-              <a:rPr lang="en-US" altLang="en-US"/>
-              <a:t> designed to provide hyper-personalized financial guidance to individuals and businesses. Leveraging cutting-edge technologies like Large Language Models (LLMs), sentiment analysis, and causal inference, HyperFinLocal goes beyond generic financial advice to understand users' emotional relationship with money and connect them with relevant financial resources.</a:t>
-            </a:r>
-            <a:endParaRPr lang="en-US" altLang="en-US"/>
-          </a:p>
-          <a:p>
-            <a:pPr marL="285750" indent="-285750">
-              <a:buFont typeface="Arial" panose="020B0604020202020204" pitchFamily="34" charset="0"/>
-              <a:buChar char="•"/>
-            </a:pPr>
-            <a:r>
-              <a:rPr lang="en-US" altLang="en-US" b="1"/>
-              <a:t>Unique Selling Proposition (USP):</a:t>
-            </a:r>
-            <a:endParaRPr lang="en-US" altLang="en-US"/>
-          </a:p>
-          <a:p>
-            <a:pPr marL="742950" lvl="1" indent="-285750">
-              <a:buFont typeface="Arial" panose="020B0604020202020204" pitchFamily="34" charset="0"/>
-              <a:buChar char="•"/>
-            </a:pPr>
-            <a:r>
-              <a:rPr lang="en-US" altLang="en-US"/>
-              <a:t>HyperFinLocal is the financial recommendation system to combine AI-driven emotional intelligence with causal analysis and comprehensive resource integration, providing a truly holistic and personalized financial experience for both individuals and businesses.</a:t>
-            </a:r>
-            <a:endParaRPr lang="en-US" altLang="en-US"/>
-          </a:p>
-        </p:txBody>
-      </p:sp>
-    </p:spTree>
-  </p:cSld>
-  <p:clrMapOvr>
-    <a:masterClrMapping/>
-  </p:clrMapOvr>
-  <p:transition>
-    <p:fade/>
-  </p:transition>
-</p:sld>
-</file>
-
-<file path=ppt/slides/slide4.xml><?xml version="1.0" encoding="utf-8"?>
-<p:sld xmlns:a="http://schemas.openxmlformats.org/drawingml/2006/main" xmlns:r="http://schemas.openxmlformats.org/officeDocument/2006/relationships" xmlns:p="http://schemas.openxmlformats.org/presentationml/2006/main">
-  <p:cSld>
-    <p:spTree>
-      <p:nvGrpSpPr>
-        <p:cNvPr id="1" name=""/>
-        <p:cNvGrpSpPr/>
-        <p:nvPr/>
-      </p:nvGrpSpPr>
-      <p:grpSpPr/>
-      <p:sp>
-        <p:nvSpPr>
-          <p:cNvPr id="2" name="Title 1"/>
-          <p:cNvSpPr>
-            <a:spLocks noGrp="1"/>
-          </p:cNvSpPr>
-          <p:nvPr>
-            <p:ph type="title"/>
-          </p:nvPr>
-        </p:nvSpPr>
-        <p:spPr>
-          <a:xfrm>
-            <a:off x="535945" y="276616"/>
-            <a:ext cx="8529319" cy="492125"/>
-          </a:xfrm>
-        </p:spPr>
-        <p:txBody>
-          <a:bodyPr/>
-          <a:p>
-            <a:r>
-              <a:rPr lang="en-IN" altLang="en-US"/>
-              <a:t>Key Features</a:t>
-            </a:r>
-            <a:endParaRPr lang="en-IN" altLang="en-US"/>
-          </a:p>
-        </p:txBody>
-      </p:sp>
-      <p:sp>
-        <p:nvSpPr>
-          <p:cNvPr id="3" name="Text Placeholder 2"/>
-          <p:cNvSpPr>
-            <a:spLocks noGrp="1"/>
-          </p:cNvSpPr>
-          <p:nvPr>
-            <p:ph type="body" idx="1"/>
-          </p:nvPr>
-        </p:nvSpPr>
-        <p:spPr>
-          <a:xfrm>
-            <a:off x="537529" y="1165779"/>
-            <a:ext cx="8526144" cy="3601085"/>
-          </a:xfrm>
-        </p:spPr>
-        <p:txBody>
-          <a:bodyPr/>
-          <a:p>
-            <a:pPr marL="285750" indent="-285750">
-              <a:buFont typeface="Arial" panose="020B0604020202020204" pitchFamily="34" charset="0"/>
-              <a:buChar char="•"/>
-            </a:pPr>
-            <a:r>
-              <a:rPr lang="en-US" altLang="en-US" b="1"/>
-              <a:t>Intelligent Conversational Interface</a:t>
-            </a:r>
-            <a:r>
-              <a:rPr lang="en-US" altLang="en-US"/>
-              <a:t>: Users can interact with HyperFin via text or voice, asking questions and receiving personalized financial advice.</a:t>
-            </a:r>
-            <a:endParaRPr lang="en-US" altLang="en-US"/>
-          </a:p>
-          <a:p>
-            <a:pPr marL="285750" indent="-285750">
-              <a:buFont typeface="Arial" panose="020B0604020202020204" pitchFamily="34" charset="0"/>
-              <a:buChar char="•"/>
-            </a:pPr>
-            <a:r>
-              <a:rPr lang="en-US" altLang="en-US" b="1"/>
-              <a:t>Emotional Sentiment Analysis</a:t>
-            </a:r>
-            <a:r>
-              <a:rPr lang="en-US" altLang="en-US"/>
-              <a:t>: </a:t>
-            </a:r>
-            <a:r>
-              <a:rPr lang="en-US" altLang="en-US">
-                <a:sym typeface="+mn-ea"/>
-              </a:rPr>
-              <a:t>HyperFin </a:t>
-            </a:r>
-            <a:r>
-              <a:rPr lang="en-US" altLang="en-US"/>
-              <a:t>understands users' emotional states related to their finances, providing empathetic and supportive guidance.</a:t>
-            </a:r>
-            <a:endParaRPr lang="en-US" altLang="en-US"/>
-          </a:p>
-          <a:p>
-            <a:pPr marL="285750" indent="-285750">
-              <a:buFont typeface="Arial" panose="020B0604020202020204" pitchFamily="34" charset="0"/>
-              <a:buChar char="•"/>
-            </a:pPr>
-            <a:r>
-              <a:rPr lang="en-US" altLang="en-US" b="1"/>
-              <a:t>Causal Insight Generation:</a:t>
-            </a:r>
-            <a:r>
-              <a:rPr lang="en-US" altLang="en-US"/>
-              <a:t> The system identifies the "why" behind financial patterns, offering actionable recommendations based on causal relationships, not just correlations.</a:t>
-            </a:r>
-            <a:endParaRPr lang="en-US" altLang="en-US"/>
-          </a:p>
-          <a:p>
-            <a:pPr marL="285750" indent="-285750">
-              <a:buFont typeface="Arial" panose="020B0604020202020204" pitchFamily="34" charset="0"/>
-              <a:buChar char="•"/>
-            </a:pPr>
-            <a:r>
-              <a:rPr lang="en-US" altLang="en-US" b="1"/>
-              <a:t>Resource Integration</a:t>
-            </a:r>
-            <a:r>
-              <a:rPr lang="en-US" altLang="en-US"/>
-              <a:t>: HyperFin connects users with relevant financial resources, including banks, credit unions, workshops, and investment opportunities, and provides businesses with insights into customer financial behavior.</a:t>
-            </a:r>
-            <a:endParaRPr lang="en-US" altLang="en-US"/>
-          </a:p>
-          <a:p>
-            <a:pPr marL="285750" indent="-285750">
-              <a:buFont typeface="Arial" panose="020B0604020202020204" pitchFamily="34" charset="0"/>
-              <a:buChar char="•"/>
-            </a:pPr>
-            <a:r>
-              <a:rPr lang="en-US" altLang="en-US" b="1"/>
-              <a:t>Proactive Recommendations</a:t>
-            </a:r>
-            <a:r>
-              <a:rPr lang="en-US" altLang="en-US"/>
-              <a:t>: The system monitors user data and relevant events, pushing personalized insights and opportunities before users even ask, and offers businesses targeted marketing and customer engagement strategies.</a:t>
-            </a:r>
-            <a:endParaRPr lang="en-US" altLang="en-US"/>
-          </a:p>
-        </p:txBody>
-      </p:sp>
-    </p:spTree>
-  </p:cSld>
-  <p:clrMapOvr>
-    <a:masterClrMapping/>
-  </p:clrMapOvr>
-</p:sld>
-</file>
-
-<file path=ppt/slides/slide5.xml><?xml version="1.0" encoding="utf-8"?>
-<p:sld xmlns:a="http://schemas.openxmlformats.org/drawingml/2006/main" xmlns:r="http://schemas.openxmlformats.org/officeDocument/2006/relationships" xmlns:p="http://schemas.openxmlformats.org/presentationml/2006/main">
-  <p:cSld>
-    <p:spTree>
-      <p:nvGrpSpPr>
-        <p:cNvPr id="1" name=""/>
-        <p:cNvGrpSpPr/>
-        <p:nvPr/>
-      </p:nvGrpSpPr>
-      <p:grpSpPr/>
-      <p:sp>
-        <p:nvSpPr>
-          <p:cNvPr id="2" name="Title 1"/>
-          <p:cNvSpPr>
-            <a:spLocks noGrp="1"/>
-          </p:cNvSpPr>
-          <p:nvPr>
-            <p:ph type="title"/>
-          </p:nvPr>
-        </p:nvSpPr>
-        <p:spPr>
-          <a:xfrm>
-            <a:off x="535945" y="276616"/>
-            <a:ext cx="8529319" cy="492125"/>
-          </a:xfrm>
-        </p:spPr>
-        <p:txBody>
-          <a:bodyPr/>
-          <a:p>
-            <a:r>
-              <a:rPr lang="en-US" altLang="en-US"/>
-              <a:t>How HyperFin Benefits Individuals</a:t>
-            </a:r>
-            <a:endParaRPr lang="en-US" altLang="en-US"/>
-          </a:p>
-        </p:txBody>
-      </p:sp>
-      <p:sp>
-        <p:nvSpPr>
-          <p:cNvPr id="3" name="Text Placeholder 2"/>
-          <p:cNvSpPr>
-            <a:spLocks noGrp="1"/>
-          </p:cNvSpPr>
-          <p:nvPr>
-            <p:ph type="body" idx="1"/>
-          </p:nvPr>
-        </p:nvSpPr>
-        <p:spPr>
-          <a:xfrm>
-            <a:off x="537529" y="1165779"/>
-            <a:ext cx="8526144" cy="2493010"/>
-          </a:xfrm>
-        </p:spPr>
-        <p:txBody>
-          <a:bodyPr/>
-          <a:p>
-            <a:pPr marL="285750" indent="-285750">
-              <a:buFont typeface="Arial" panose="020B0604020202020204" pitchFamily="34" charset="0"/>
-              <a:buChar char="•"/>
-            </a:pPr>
-            <a:r>
-              <a:rPr lang="en-US" altLang="en-US" b="1"/>
-              <a:t>Personalized Financial Planning:</a:t>
-            </a:r>
-            <a:r>
-              <a:rPr lang="en-US" altLang="en-US"/>
-              <a:t> Tailored advice based on individual financial situations and goals.</a:t>
-            </a:r>
-            <a:endParaRPr lang="en-US" altLang="en-US"/>
-          </a:p>
-          <a:p>
-            <a:pPr marL="285750" indent="-285750">
-              <a:buFont typeface="Arial" panose="020B0604020202020204" pitchFamily="34" charset="0"/>
-              <a:buChar char="•"/>
-            </a:pPr>
-            <a:r>
-              <a:rPr lang="en-US" altLang="en-US" b="1"/>
-              <a:t>Emotional Support:</a:t>
-            </a:r>
-            <a:r>
-              <a:rPr lang="en-US" altLang="en-US"/>
-              <a:t> Empathetic guidance that acknowledges the emotional aspects of financial management.</a:t>
-            </a:r>
-            <a:endParaRPr lang="en-US" altLang="en-US"/>
-          </a:p>
-          <a:p>
-            <a:pPr marL="285750" indent="-285750">
-              <a:buFont typeface="Arial" panose="020B0604020202020204" pitchFamily="34" charset="0"/>
-              <a:buChar char="•"/>
-            </a:pPr>
-            <a:r>
-              <a:rPr lang="en-US" altLang="en-US" b="1"/>
-              <a:t>Resource Discovery:</a:t>
-            </a:r>
-            <a:r>
-              <a:rPr lang="en-US" altLang="en-US"/>
-              <a:t> Easy access to relevant financial services and opportunities.</a:t>
-            </a:r>
-            <a:endParaRPr lang="en-US" altLang="en-US"/>
-          </a:p>
-          <a:p>
-            <a:pPr marL="285750" indent="-285750">
-              <a:buFont typeface="Arial" panose="020B0604020202020204" pitchFamily="34" charset="0"/>
-              <a:buChar char="•"/>
-            </a:pPr>
-            <a:r>
-              <a:rPr lang="en-US" altLang="en-US" b="1"/>
-              <a:t>Informed Decision-Making</a:t>
-            </a:r>
-            <a:r>
-              <a:rPr lang="en-US" altLang="en-US"/>
-              <a:t>: Actionable insights based on causal relationships and real-time data.</a:t>
-            </a:r>
-            <a:endParaRPr lang="en-US" altLang="en-US"/>
-          </a:p>
-          <a:p>
-            <a:pPr marL="285750" indent="-285750">
-              <a:buFont typeface="Arial" panose="020B0604020202020204" pitchFamily="34" charset="0"/>
-              <a:buChar char="•"/>
-            </a:pPr>
-            <a:r>
-              <a:rPr lang="en-US" altLang="en-US" b="1"/>
-              <a:t>Financial Empowerment:</a:t>
-            </a:r>
-            <a:r>
-              <a:rPr lang="en-US" altLang="en-US"/>
-              <a:t> Proactive guidance and education to improve financial literacy and well-being.</a:t>
-            </a:r>
-            <a:endParaRPr lang="en-US" altLang="en-US"/>
-          </a:p>
-        </p:txBody>
-      </p:sp>
-    </p:spTree>
-  </p:cSld>
-  <p:clrMapOvr>
-    <a:masterClrMapping/>
-  </p:clrMapOvr>
-</p:sld>
-</file>
-
-<file path=ppt/slides/slide6.xml><?xml version="1.0" encoding="utf-8"?>
-<p:sld xmlns:a="http://schemas.openxmlformats.org/drawingml/2006/main" xmlns:r="http://schemas.openxmlformats.org/officeDocument/2006/relationships" xmlns:p="http://schemas.openxmlformats.org/presentationml/2006/main">
-  <p:cSld>
-    <p:spTree>
-      <p:nvGrpSpPr>
-        <p:cNvPr id="1" name=""/>
-        <p:cNvGrpSpPr/>
-        <p:nvPr/>
-      </p:nvGrpSpPr>
-      <p:grpSpPr/>
-      <p:sp>
-        <p:nvSpPr>
-          <p:cNvPr id="2" name="Title 1"/>
-          <p:cNvSpPr>
-            <a:spLocks noGrp="1"/>
-          </p:cNvSpPr>
-          <p:nvPr>
-            <p:ph type="title"/>
-          </p:nvPr>
-        </p:nvSpPr>
-        <p:spPr>
-          <a:xfrm>
-            <a:off x="535945" y="276616"/>
-            <a:ext cx="8529319" cy="492125"/>
-          </a:xfrm>
-        </p:spPr>
-        <p:txBody>
-          <a:bodyPr/>
-          <a:p>
-            <a:r>
-              <a:rPr lang="en-US" altLang="en-US"/>
-              <a:t>How HyperFin Benefits Business Providers</a:t>
-            </a:r>
-            <a:endParaRPr lang="en-US" altLang="en-US"/>
-          </a:p>
-        </p:txBody>
-      </p:sp>
-      <p:sp>
-        <p:nvSpPr>
-          <p:cNvPr id="3" name="Text Placeholder 2"/>
-          <p:cNvSpPr>
-            <a:spLocks noGrp="1"/>
-          </p:cNvSpPr>
-          <p:nvPr>
-            <p:ph type="body" idx="1"/>
-          </p:nvPr>
-        </p:nvSpPr>
-        <p:spPr>
-          <a:xfrm>
-            <a:off x="538799" y="1295319"/>
-            <a:ext cx="8526144" cy="2769870"/>
-          </a:xfrm>
-        </p:spPr>
-        <p:txBody>
-          <a:bodyPr/>
-          <a:p>
-            <a:pPr marL="285750" indent="-285750">
-              <a:buFont typeface="Arial" panose="020B0604020202020204" pitchFamily="34" charset="0"/>
-              <a:buChar char="•"/>
-            </a:pPr>
-            <a:r>
-              <a:rPr lang="en-US" altLang="en-US" b="1"/>
-              <a:t>Targeted Marketing</a:t>
-            </a:r>
-            <a:r>
-              <a:rPr lang="en-US" altLang="en-US"/>
-              <a:t>: Businesses can leverage insights into customer financial behavior to create targeted marketing campaigns.</a:t>
-            </a:r>
-            <a:endParaRPr lang="en-US" altLang="en-US"/>
-          </a:p>
-          <a:p>
-            <a:pPr marL="285750" indent="-285750">
-              <a:buFont typeface="Arial" panose="020B0604020202020204" pitchFamily="34" charset="0"/>
-              <a:buChar char="•"/>
-            </a:pPr>
-            <a:r>
-              <a:rPr lang="en-US" altLang="en-US" b="1"/>
-              <a:t>Customer Engagement</a:t>
-            </a:r>
-            <a:r>
-              <a:rPr lang="en-US" altLang="en-US"/>
-              <a:t>: HyperFin facilitates personalized customer interactions, fostering stronger relationships.</a:t>
-            </a:r>
-            <a:endParaRPr lang="en-US" altLang="en-US"/>
-          </a:p>
-          <a:p>
-            <a:pPr marL="285750" indent="-285750">
-              <a:buFont typeface="Arial" panose="020B0604020202020204" pitchFamily="34" charset="0"/>
-              <a:buChar char="•"/>
-            </a:pPr>
-            <a:r>
-              <a:rPr lang="en-US" altLang="en-US" b="1"/>
-              <a:t>Financial Product Placement</a:t>
-            </a:r>
-            <a:r>
-              <a:rPr lang="en-US" altLang="en-US"/>
-              <a:t>: Businesses can promote financial products and services to relevant customer segments.</a:t>
-            </a:r>
-            <a:endParaRPr lang="en-US" altLang="en-US"/>
-          </a:p>
-          <a:p>
-            <a:pPr marL="285750" indent="-285750">
-              <a:buFont typeface="Arial" panose="020B0604020202020204" pitchFamily="34" charset="0"/>
-              <a:buChar char="•"/>
-            </a:pPr>
-            <a:r>
-              <a:rPr lang="en-US" altLang="en-US" b="1"/>
-              <a:t>Market Analysis</a:t>
-            </a:r>
-            <a:r>
-              <a:rPr lang="en-US" altLang="en-US"/>
-              <a:t>: HyperFin provides businesses with data-driven insights into market trends.</a:t>
-            </a:r>
-            <a:endParaRPr lang="en-US" altLang="en-US"/>
-          </a:p>
-          <a:p>
-            <a:pPr marL="285750" indent="-285750">
-              <a:buFont typeface="Arial" panose="020B0604020202020204" pitchFamily="34" charset="0"/>
-              <a:buChar char="•"/>
-            </a:pPr>
-            <a:r>
-              <a:rPr lang="en-US" altLang="en-US" b="1"/>
-              <a:t>Risk Assessment</a:t>
-            </a:r>
-            <a:r>
-              <a:rPr lang="en-US" altLang="en-US"/>
-              <a:t>: Businesses can use HyperFin to assess customer creditworthiness and reduce financial risk.</a:t>
-            </a:r>
-            <a:endParaRPr lang="en-US" altLang="en-US"/>
-          </a:p>
-        </p:txBody>
-      </p:sp>
-    </p:spTree>
-  </p:cSld>
-  <p:clrMapOvr>
-    <a:masterClrMapping/>
-  </p:clrMapOvr>
-</p:sld>
-</file>
-
-<file path=ppt/slides/slide7.xml><?xml version="1.0" encoding="utf-8"?>
-<p:sld xmlns:a="http://schemas.openxmlformats.org/drawingml/2006/main" xmlns:r="http://schemas.openxmlformats.org/officeDocument/2006/relationships" xmlns:p="http://schemas.openxmlformats.org/presentationml/2006/main">
-  <p:cSld>
-    <p:spTree>
-      <p:nvGrpSpPr>
-        <p:cNvPr id="1" name=""/>
-        <p:cNvGrpSpPr/>
-        <p:nvPr/>
-      </p:nvGrpSpPr>
-      <p:grpSpPr/>
-      <p:sp>
-        <p:nvSpPr>
-          <p:cNvPr id="2" name="Title 1"/>
-          <p:cNvSpPr>
-            <a:spLocks noGrp="1"/>
-          </p:cNvSpPr>
-          <p:nvPr>
-            <p:ph type="title"/>
-          </p:nvPr>
-        </p:nvSpPr>
-        <p:spPr>
-          <a:xfrm>
-            <a:off x="535945" y="276616"/>
-            <a:ext cx="8529319" cy="492125"/>
-          </a:xfrm>
-        </p:spPr>
-        <p:txBody>
-          <a:bodyPr/>
-          <a:p>
-            <a:r>
-              <a:rPr lang="en-IN" altLang="en-US"/>
-              <a:t>Techcnical Overview</a:t>
-            </a:r>
-            <a:endParaRPr lang="en-IN" altLang="en-US"/>
-          </a:p>
-        </p:txBody>
-      </p:sp>
-      <p:sp>
-        <p:nvSpPr>
-          <p:cNvPr id="3" name="Text Placeholder 2"/>
-          <p:cNvSpPr>
-            <a:spLocks noGrp="1"/>
-          </p:cNvSpPr>
-          <p:nvPr>
-            <p:ph type="body" idx="1"/>
-          </p:nvPr>
-        </p:nvSpPr>
-        <p:spPr>
-          <a:xfrm>
-            <a:off x="537529" y="1165779"/>
-            <a:ext cx="8526144" cy="5262880"/>
-          </a:xfrm>
-        </p:spPr>
-        <p:txBody>
-          <a:bodyPr/>
-          <a:p>
-            <a:r>
-              <a:rPr lang="en-IN" altLang="en-US" dirty="0">
-                <a:sym typeface="+mn-ea"/>
-              </a:rPr>
-              <a:t>Following are the components in the solution:</a:t>
-            </a:r>
-            <a:endParaRPr lang="en-IN" altLang="en-US" dirty="0"/>
-          </a:p>
-          <a:p>
-            <a:pPr marL="285750" indent="-285750">
-              <a:buFont typeface="Arial" panose="020B0604020202020204" pitchFamily="34" charset="0"/>
-              <a:buChar char="•"/>
-            </a:pPr>
-            <a:r>
-              <a:rPr lang="en-US" altLang="en-US" b="1" dirty="0">
-                <a:sym typeface="+mn-ea"/>
-              </a:rPr>
-              <a:t>Conversational Engine</a:t>
-            </a:r>
-            <a:endParaRPr lang="en-IN" altLang="en-US" dirty="0"/>
-          </a:p>
-          <a:p>
-            <a:pPr marL="742950" lvl="1" indent="-285750">
-              <a:buFont typeface="Arial" panose="020B0604020202020204" pitchFamily="34" charset="0"/>
-              <a:buChar char="•"/>
-            </a:pPr>
-            <a:r>
-              <a:rPr lang="en-US" altLang="en-US" dirty="0">
-                <a:sym typeface="+mn-ea"/>
-              </a:rPr>
-              <a:t>Acts as the entry point for user interactions (text or voice). It manages conversation context, routes requests to appropriate services, and synthesizes responses.</a:t>
-            </a:r>
-            <a:endParaRPr lang="en-US" altLang="en-US" dirty="0"/>
-          </a:p>
-          <a:p>
-            <a:pPr marL="742950" lvl="1" indent="-285750">
-              <a:buFont typeface="Arial" panose="020B0604020202020204" pitchFamily="34" charset="0"/>
-              <a:buChar char="•"/>
-            </a:pPr>
-            <a:r>
-              <a:rPr lang="en-US" altLang="en-US" dirty="0" err="1">
-                <a:sym typeface="+mn-ea"/>
-              </a:rPr>
-              <a:t>OpenAPI</a:t>
-            </a:r>
-            <a:r>
-              <a:rPr lang="en-US" altLang="en-US" dirty="0">
-                <a:sym typeface="+mn-ea"/>
-              </a:rPr>
-              <a:t> </a:t>
-            </a:r>
-            <a:r>
-              <a:rPr lang="en-US" altLang="en-US" dirty="0" err="1">
-                <a:sym typeface="+mn-ea"/>
-              </a:rPr>
-              <a:t>gpt</a:t>
-            </a:r>
-            <a:r>
-              <a:rPr lang="en-US" altLang="en-US" dirty="0">
-                <a:sym typeface="+mn-ea"/>
-              </a:rPr>
-              <a:t> 4.0 mini has been leveraged here. Data has been fed into the same and appropriate responses are generated</a:t>
-            </a:r>
-            <a:endParaRPr lang="en-US" altLang="en-US" dirty="0"/>
-          </a:p>
-          <a:p>
-            <a:pPr marL="285750" indent="-285750">
-              <a:buFont typeface="Arial" panose="020B0604020202020204" pitchFamily="34" charset="0"/>
-              <a:buChar char="•"/>
-            </a:pPr>
-            <a:r>
-              <a:rPr lang="en-US" altLang="en-US" b="1" dirty="0">
-                <a:sym typeface="+mn-ea"/>
-              </a:rPr>
-              <a:t>Sentiment Analysis Service</a:t>
-            </a:r>
-            <a:endParaRPr lang="en-US" altLang="en-US" b="1" dirty="0"/>
-          </a:p>
-          <a:p>
-            <a:pPr marL="742950" lvl="1" indent="-285750">
-              <a:buFont typeface="Arial" panose="020B0604020202020204" pitchFamily="34" charset="0"/>
-              <a:buChar char="•"/>
-            </a:pPr>
-            <a:r>
-              <a:rPr lang="en-US" altLang="en-US" dirty="0">
-                <a:sym typeface="+mn-ea"/>
-              </a:rPr>
-              <a:t>Performs real-time sentiment analysis on user input to detect emotional states related to financial topics.</a:t>
-            </a:r>
-            <a:endParaRPr lang="en-US" altLang="en-US" dirty="0"/>
-          </a:p>
-          <a:p>
-            <a:pPr marL="742950" lvl="1" indent="-285750">
-              <a:buFont typeface="Arial" panose="020B0604020202020204" pitchFamily="34" charset="0"/>
-              <a:buChar char="•"/>
-            </a:pPr>
-            <a:r>
-              <a:rPr lang="en-US" altLang="en-US" dirty="0">
-                <a:sym typeface="+mn-ea"/>
-              </a:rPr>
-              <a:t>Social media activities data has been leveraged and fed into BERT based model (</a:t>
-            </a:r>
-            <a:r>
-              <a:rPr lang="en-IN" dirty="0" err="1">
-                <a:sym typeface="+mn-ea"/>
-              </a:rPr>
-              <a:t>SamLowe</a:t>
-            </a:r>
-            <a:r>
-              <a:rPr lang="en-IN" dirty="0">
-                <a:sym typeface="+mn-ea"/>
-              </a:rPr>
-              <a:t>/</a:t>
-            </a:r>
-            <a:r>
-              <a:rPr lang="en-IN" dirty="0" err="1">
-                <a:sym typeface="+mn-ea"/>
-              </a:rPr>
-              <a:t>roberta</a:t>
-            </a:r>
-            <a:r>
-              <a:rPr lang="en-IN" dirty="0">
-                <a:sym typeface="+mn-ea"/>
-              </a:rPr>
-              <a:t>-base-</a:t>
-            </a:r>
-            <a:r>
-              <a:rPr lang="en-IN" dirty="0" err="1">
-                <a:sym typeface="+mn-ea"/>
-              </a:rPr>
-              <a:t>go_emotions</a:t>
-            </a:r>
-            <a:r>
-              <a:rPr lang="en-IN" dirty="0">
-                <a:sym typeface="+mn-ea"/>
-              </a:rPr>
-              <a:t>)</a:t>
-            </a:r>
-            <a:endParaRPr lang="en-US" altLang="en-US" dirty="0"/>
-          </a:p>
-          <a:p>
-            <a:pPr marL="285750" indent="-285750">
-              <a:buFont typeface="Arial" panose="020B0604020202020204" pitchFamily="34" charset="0"/>
-              <a:buChar char="•"/>
-            </a:pPr>
-            <a:r>
-              <a:rPr lang="en-US" altLang="en-US" b="1" dirty="0">
-                <a:sym typeface="+mn-ea"/>
-              </a:rPr>
-              <a:t>Proactive Recommendation Engine</a:t>
-            </a:r>
-            <a:endParaRPr lang="en-US" altLang="en-US" b="1" dirty="0"/>
-          </a:p>
-          <a:p>
-            <a:pPr marL="742950" lvl="1" indent="-285750">
-              <a:buFont typeface="Arial" panose="020B0604020202020204" pitchFamily="34" charset="0"/>
-              <a:buChar char="•"/>
-            </a:pPr>
-            <a:r>
-              <a:rPr lang="en-US" altLang="en-US" dirty="0">
-                <a:sym typeface="+mn-ea"/>
-              </a:rPr>
-              <a:t>Monitors user data and triggers proactive notifications based on predefined rules and learned patterns.</a:t>
-            </a:r>
-            <a:endParaRPr lang="en-US" altLang="en-US" dirty="0"/>
-          </a:p>
-          <a:p>
-            <a:pPr marL="742950" lvl="1" indent="-285750">
-              <a:buFont typeface="Arial" panose="020B0604020202020204" pitchFamily="34" charset="0"/>
-              <a:buChar char="•"/>
-            </a:pPr>
-            <a:r>
-              <a:rPr lang="en-US" altLang="en-US" dirty="0">
-                <a:sym typeface="+mn-ea"/>
-              </a:rPr>
-              <a:t>Statistically matched data between resources and customer profile, transactions are fed into HuggingFaceH4/zephyr-7b-beta model by building appropriate prompt.</a:t>
-            </a:r>
-            <a:endParaRPr lang="en-US" altLang="en-US" dirty="0"/>
-          </a:p>
-          <a:p>
-            <a:pPr marL="285750" indent="-285750">
-              <a:buFont typeface="Arial" panose="020B0604020202020204" pitchFamily="34" charset="0"/>
-              <a:buChar char="•"/>
-            </a:pPr>
-            <a:r>
-              <a:rPr lang="en-US" altLang="en-US" b="1" dirty="0">
-                <a:sym typeface="+mn-ea"/>
-              </a:rPr>
-              <a:t>Resource Integration Service</a:t>
-            </a:r>
-            <a:endParaRPr lang="en-US" altLang="en-US" b="1" dirty="0"/>
-          </a:p>
-          <a:p>
-            <a:pPr marL="742950" lvl="1" indent="-285750">
-              <a:buFont typeface="Arial" panose="020B0604020202020204" pitchFamily="34" charset="0"/>
-              <a:buChar char="•"/>
-            </a:pPr>
-            <a:r>
-              <a:rPr lang="en-US" altLang="en-US" dirty="0">
-                <a:sym typeface="+mn-ea"/>
-              </a:rPr>
-              <a:t>Retrieves and aggregates data from heterogeneous sources, including customer related data, local businesses, financial events, and market data.</a:t>
-            </a:r>
-            <a:endParaRPr lang="en-US" altLang="en-US"/>
-          </a:p>
-        </p:txBody>
-      </p:sp>
-    </p:spTree>
-  </p:cSld>
-  <p:clrMapOvr>
-    <a:masterClrMapping/>
-  </p:clrMapOvr>
-</p:sld>
-</file>
-
-<file path=ppt/slides/slide8.xml><?xml version="1.0" encoding="utf-8"?>
 <p:sld xmlns:a="http://schemas.openxmlformats.org/drawingml/2006/main" xmlns:r="http://schemas.openxmlformats.org/officeDocument/2006/relationships" xmlns:p="http://schemas.openxmlformats.org/presentationml/2006/main" showMasterSp="0">
   <p:cSld>
     <p:spTree>
@@ -4496,6 +2634,2333 @@
 </p:sld>
 </file>
 
+<file path=ppt/slides/slide11.xml><?xml version="1.0" encoding="utf-8"?>
+<p:sld xmlns:a="http://schemas.openxmlformats.org/drawingml/2006/main" xmlns:r="http://schemas.openxmlformats.org/officeDocument/2006/relationships" xmlns:p="http://schemas.openxmlformats.org/presentationml/2006/main">
+  <p:cSld>
+    <p:spTree>
+      <p:nvGrpSpPr>
+        <p:cNvPr id="1" name=""/>
+        <p:cNvGrpSpPr/>
+        <p:nvPr/>
+      </p:nvGrpSpPr>
+      <p:grpSpPr/>
+      <p:sp>
+        <p:nvSpPr>
+          <p:cNvPr id="2" name="Title 1"/>
+          <p:cNvSpPr>
+            <a:spLocks noGrp="1"/>
+          </p:cNvSpPr>
+          <p:nvPr>
+            <p:ph type="title"/>
+          </p:nvPr>
+        </p:nvSpPr>
+        <p:spPr>
+          <a:xfrm>
+            <a:off x="535945" y="276616"/>
+            <a:ext cx="8529319" cy="492125"/>
+          </a:xfrm>
+        </p:spPr>
+        <p:txBody>
+          <a:bodyPr/>
+          <a:p>
+            <a:r>
+              <a:rPr lang="en-US" altLang="en-US"/>
+              <a:t>Technical </a:t>
+            </a:r>
+            <a:r>
+              <a:rPr lang="en-IN" altLang="en-US"/>
+              <a:t>Stack</a:t>
+            </a:r>
+            <a:endParaRPr lang="en-IN" altLang="en-US"/>
+          </a:p>
+        </p:txBody>
+      </p:sp>
+      <p:sp>
+        <p:nvSpPr>
+          <p:cNvPr id="3" name="Text Placeholder 2"/>
+          <p:cNvSpPr>
+            <a:spLocks noGrp="1"/>
+          </p:cNvSpPr>
+          <p:nvPr>
+            <p:ph type="body" idx="1"/>
+          </p:nvPr>
+        </p:nvSpPr>
+        <p:spPr>
+          <a:xfrm>
+            <a:off x="537529" y="1165779"/>
+            <a:ext cx="8526144" cy="4431665"/>
+          </a:xfrm>
+        </p:spPr>
+        <p:txBody>
+          <a:bodyPr/>
+          <a:p>
+            <a:pPr marL="285750" indent="-285750">
+              <a:buFont typeface="Arial" panose="020B0604020202020204" pitchFamily="34" charset="0"/>
+              <a:buChar char="•"/>
+            </a:pPr>
+            <a:r>
+              <a:rPr lang="en-US" altLang="en-US" b="1" dirty="0">
+                <a:sym typeface="+mn-ea"/>
+              </a:rPr>
+              <a:t>Backend</a:t>
+            </a:r>
+            <a:r>
+              <a:rPr lang="en-US" altLang="en-US" dirty="0">
+                <a:sym typeface="+mn-ea"/>
+              </a:rPr>
+              <a:t>: Django (Python)</a:t>
+            </a:r>
+            <a:endParaRPr lang="en-US" altLang="en-US" dirty="0"/>
+          </a:p>
+          <a:p>
+            <a:pPr marL="742950" lvl="1" indent="-285750">
+              <a:buFont typeface="Arial" panose="020B0604020202020204" pitchFamily="34" charset="0"/>
+              <a:buChar char="•"/>
+            </a:pPr>
+            <a:r>
+              <a:rPr lang="en-US" altLang="en-US" dirty="0">
+                <a:sym typeface="+mn-ea"/>
+              </a:rPr>
+              <a:t>Frontend: HTML, CSS, JavaScript</a:t>
+            </a:r>
+            <a:endParaRPr lang="en-US" altLang="en-US" dirty="0"/>
+          </a:p>
+          <a:p>
+            <a:pPr marL="742950" lvl="1" indent="-285750">
+              <a:buFont typeface="Arial" panose="020B0604020202020204" pitchFamily="34" charset="0"/>
+              <a:buChar char="•"/>
+            </a:pPr>
+            <a:r>
+              <a:rPr lang="en-US" altLang="en-US" dirty="0">
+                <a:sym typeface="+mn-ea"/>
+              </a:rPr>
+              <a:t>Database: Pandas for data manipulation (Excel files)</a:t>
+            </a:r>
+            <a:endParaRPr lang="en-US" altLang="en-US" dirty="0"/>
+          </a:p>
+          <a:p>
+            <a:pPr marL="742950" lvl="1" indent="-285750">
+              <a:buFont typeface="Arial" panose="020B0604020202020204" pitchFamily="34" charset="0"/>
+              <a:buChar char="•"/>
+            </a:pPr>
+            <a:r>
+              <a:rPr lang="en-US" altLang="en-US" dirty="0">
+                <a:sym typeface="+mn-ea"/>
+              </a:rPr>
+              <a:t>APIs: Hugging Face zephyr-7b-beta API, OpenAI API, </a:t>
+            </a:r>
+            <a:r>
+              <a:rPr lang="en-IN" dirty="0" err="1">
+                <a:sym typeface="+mn-ea"/>
+              </a:rPr>
+              <a:t>SamLowe</a:t>
+            </a:r>
+            <a:r>
+              <a:rPr lang="en-IN" dirty="0">
+                <a:sym typeface="+mn-ea"/>
+              </a:rPr>
+              <a:t>/</a:t>
+            </a:r>
+            <a:r>
+              <a:rPr lang="en-IN" dirty="0" err="1">
+                <a:sym typeface="+mn-ea"/>
+              </a:rPr>
+              <a:t>roberta</a:t>
+            </a:r>
+            <a:r>
+              <a:rPr lang="en-IN" dirty="0">
+                <a:sym typeface="+mn-ea"/>
+              </a:rPr>
+              <a:t>-base-</a:t>
+            </a:r>
+            <a:r>
+              <a:rPr lang="en-IN" dirty="0" err="1">
+                <a:sym typeface="+mn-ea"/>
+              </a:rPr>
+              <a:t>go_emotions</a:t>
+            </a:r>
+            <a:endParaRPr lang="en-US" altLang="en-US" dirty="0"/>
+          </a:p>
+          <a:p>
+            <a:pPr marL="285750" indent="-285750">
+              <a:buFont typeface="Arial" panose="020B0604020202020204" pitchFamily="34" charset="0"/>
+              <a:buChar char="•"/>
+            </a:pPr>
+            <a:r>
+              <a:rPr lang="en-US" altLang="en-US" b="1" dirty="0">
+                <a:sym typeface="+mn-ea"/>
+              </a:rPr>
+              <a:t>Large Language Models (LLMs)</a:t>
+            </a:r>
+            <a:r>
+              <a:rPr lang="en-US" altLang="en-US" dirty="0">
+                <a:sym typeface="+mn-ea"/>
+              </a:rPr>
+              <a:t>:</a:t>
+            </a:r>
+            <a:endParaRPr lang="en-US" altLang="en-US" dirty="0"/>
+          </a:p>
+          <a:p>
+            <a:pPr marL="742950" lvl="1" indent="-285750">
+              <a:buFont typeface="Arial" panose="020B0604020202020204" pitchFamily="34" charset="0"/>
+              <a:buChar char="•"/>
+            </a:pPr>
+            <a:r>
+              <a:rPr lang="en-US" altLang="en-US" dirty="0">
+                <a:sym typeface="+mn-ea"/>
+              </a:rPr>
+              <a:t>Hugging Face Models: Used for sentiment analysis and text classification</a:t>
+            </a:r>
+            <a:endParaRPr lang="en-US" altLang="en-US" dirty="0"/>
+          </a:p>
+          <a:p>
+            <a:pPr marL="742950" lvl="1" indent="-285750">
+              <a:buFont typeface="Arial" panose="020B0604020202020204" pitchFamily="34" charset="0"/>
+              <a:buChar char="•"/>
+            </a:pPr>
+            <a:r>
+              <a:rPr lang="en-US" altLang="en-US" dirty="0">
+                <a:sym typeface="+mn-ea"/>
+              </a:rPr>
+              <a:t>OpenAI GPT-4: Used for generating empathetic financial advice</a:t>
+            </a:r>
+            <a:endParaRPr lang="en-US" altLang="en-US" dirty="0"/>
+          </a:p>
+          <a:p>
+            <a:pPr marL="285750" indent="-285750">
+              <a:buFont typeface="Arial" panose="020B0604020202020204" pitchFamily="34" charset="0"/>
+              <a:buChar char="•"/>
+            </a:pPr>
+            <a:r>
+              <a:rPr lang="en-US" altLang="en-US" b="1" dirty="0">
+                <a:sym typeface="+mn-ea"/>
+              </a:rPr>
+              <a:t>Data Loading and Processing</a:t>
+            </a:r>
+            <a:r>
+              <a:rPr lang="en-US" altLang="en-US" dirty="0">
+                <a:sym typeface="+mn-ea"/>
+              </a:rPr>
+              <a:t>:</a:t>
+            </a:r>
+            <a:endParaRPr lang="en-US" altLang="en-US" dirty="0"/>
+          </a:p>
+          <a:p>
+            <a:pPr marL="742950" lvl="1" indent="-285750">
+              <a:buFont typeface="Arial" panose="020B0604020202020204" pitchFamily="34" charset="0"/>
+              <a:buChar char="•"/>
+            </a:pPr>
+            <a:r>
+              <a:rPr lang="en-US" altLang="en-US" dirty="0">
+                <a:sym typeface="+mn-ea"/>
+              </a:rPr>
+              <a:t>Data Loader: Loads customer data, transactions, social media posts, and provider information from Excel files</a:t>
+            </a:r>
+            <a:endParaRPr lang="en-US" altLang="en-US" dirty="0"/>
+          </a:p>
+          <a:p>
+            <a:pPr marL="742950" lvl="1" indent="-285750">
+              <a:buFont typeface="Arial" panose="020B0604020202020204" pitchFamily="34" charset="0"/>
+              <a:buChar char="•"/>
+            </a:pPr>
+            <a:r>
+              <a:rPr lang="en-US" altLang="en-US" dirty="0">
+                <a:sym typeface="+mn-ea"/>
+              </a:rPr>
+              <a:t>Pandas: Used for data manipulation and analysis</a:t>
+            </a:r>
+            <a:endParaRPr lang="en-US" altLang="en-US" dirty="0"/>
+          </a:p>
+          <a:p>
+            <a:pPr marL="285750" indent="-285750">
+              <a:buFont typeface="Arial" panose="020B0604020202020204" pitchFamily="34" charset="0"/>
+              <a:buChar char="•"/>
+            </a:pPr>
+            <a:r>
+              <a:rPr lang="en-US" altLang="en-US" b="1" dirty="0">
+                <a:sym typeface="+mn-ea"/>
+              </a:rPr>
+              <a:t>Sentiment Analysis</a:t>
+            </a:r>
+            <a:r>
+              <a:rPr lang="en-US" altLang="en-US" dirty="0">
+                <a:sym typeface="+mn-ea"/>
+              </a:rPr>
+              <a:t>:</a:t>
+            </a:r>
+            <a:endParaRPr lang="en-US" altLang="en-US" dirty="0"/>
+          </a:p>
+          <a:p>
+            <a:pPr marL="742950" lvl="1" indent="-285750">
+              <a:buFont typeface="Arial" panose="020B0604020202020204" pitchFamily="34" charset="0"/>
+              <a:buChar char="•"/>
+            </a:pPr>
+            <a:r>
+              <a:rPr lang="en-US" altLang="en-US" dirty="0">
+                <a:sym typeface="+mn-ea"/>
+              </a:rPr>
+              <a:t>Hugging BERT based model API: Analyzes social media posts to determine the customer's emotional state</a:t>
+            </a:r>
+            <a:endParaRPr lang="en-US" altLang="en-US" dirty="0"/>
+          </a:p>
+          <a:p>
+            <a:pPr marL="742950" lvl="1" indent="-285750">
+              <a:buFont typeface="Arial" panose="020B0604020202020204" pitchFamily="34" charset="0"/>
+              <a:buChar char="•"/>
+            </a:pPr>
+            <a:r>
+              <a:rPr lang="en-US" altLang="en-US" dirty="0">
+                <a:sym typeface="+mn-ea"/>
+              </a:rPr>
+              <a:t>Sentiment Scores: Aggregates sentiment scores and identifies primary emotions</a:t>
+            </a:r>
+            <a:endParaRPr lang="en-US" altLang="en-US"/>
+          </a:p>
+        </p:txBody>
+      </p:sp>
+    </p:spTree>
+  </p:cSld>
+  <p:clrMapOvr>
+    <a:masterClrMapping/>
+  </p:clrMapOvr>
+</p:sld>
+</file>
+
+<file path=ppt/slides/slide12.xml><?xml version="1.0" encoding="utf-8"?>
+<p:sld xmlns:a="http://schemas.openxmlformats.org/drawingml/2006/main" xmlns:r="http://schemas.openxmlformats.org/officeDocument/2006/relationships" xmlns:p="http://schemas.openxmlformats.org/presentationml/2006/main">
+  <p:cSld>
+    <p:spTree>
+      <p:nvGrpSpPr>
+        <p:cNvPr id="1" name=""/>
+        <p:cNvGrpSpPr/>
+        <p:nvPr/>
+      </p:nvGrpSpPr>
+      <p:grpSpPr/>
+      <p:sp>
+        <p:nvSpPr>
+          <p:cNvPr id="2" name="Title 1"/>
+          <p:cNvSpPr>
+            <a:spLocks noGrp="1"/>
+          </p:cNvSpPr>
+          <p:nvPr>
+            <p:ph type="title"/>
+          </p:nvPr>
+        </p:nvSpPr>
+        <p:spPr>
+          <a:xfrm>
+            <a:off x="535945" y="276616"/>
+            <a:ext cx="8529319" cy="492125"/>
+          </a:xfrm>
+        </p:spPr>
+        <p:txBody>
+          <a:bodyPr/>
+          <a:p>
+            <a:r>
+              <a:rPr lang="en-IN" altLang="en-US"/>
+              <a:t>Technical Stack(Contd..)</a:t>
+            </a:r>
+            <a:endParaRPr lang="en-IN" altLang="en-US"/>
+          </a:p>
+        </p:txBody>
+      </p:sp>
+      <p:sp>
+        <p:nvSpPr>
+          <p:cNvPr id="3" name="Text Placeholder 2"/>
+          <p:cNvSpPr>
+            <a:spLocks noGrp="1"/>
+          </p:cNvSpPr>
+          <p:nvPr>
+            <p:ph type="body" idx="1"/>
+          </p:nvPr>
+        </p:nvSpPr>
+        <p:spPr>
+          <a:xfrm>
+            <a:off x="537529" y="1165779"/>
+            <a:ext cx="8526144" cy="5170805"/>
+          </a:xfrm>
+        </p:spPr>
+        <p:txBody>
+          <a:bodyPr/>
+          <a:p>
+            <a:pPr marL="285750" indent="-285750">
+              <a:buFont typeface="Arial" panose="020B0604020202020204" pitchFamily="34" charset="0"/>
+              <a:buChar char="•"/>
+            </a:pPr>
+            <a:r>
+              <a:rPr lang="en-US" altLang="en-US" sz="1600" b="1" dirty="0">
+                <a:sym typeface="+mn-ea"/>
+              </a:rPr>
+              <a:t>Service Matching</a:t>
+            </a:r>
+            <a:r>
+              <a:rPr lang="en-US" altLang="en-US" sz="1600" dirty="0">
+                <a:sym typeface="+mn-ea"/>
+              </a:rPr>
+              <a:t>:</a:t>
+            </a:r>
+            <a:endParaRPr lang="en-US" altLang="en-US" sz="1600" dirty="0"/>
+          </a:p>
+          <a:p>
+            <a:pPr marL="742950" lvl="1" indent="-285750">
+              <a:buFont typeface="Arial" panose="020B0604020202020204" pitchFamily="34" charset="0"/>
+              <a:buChar char="•"/>
+            </a:pPr>
+            <a:r>
+              <a:rPr lang="en-US" altLang="en-US" sz="1600" dirty="0">
+                <a:sym typeface="+mn-ea"/>
+              </a:rPr>
+              <a:t>Keyword Expansion: Expands customer interests and financial needs with emotional context</a:t>
+            </a:r>
+            <a:endParaRPr lang="en-US" altLang="en-US" sz="1600" dirty="0"/>
+          </a:p>
+          <a:p>
+            <a:pPr marL="742950" lvl="1" indent="-285750">
+              <a:buFont typeface="Arial" panose="020B0604020202020204" pitchFamily="34" charset="0"/>
+              <a:buChar char="•"/>
+            </a:pPr>
+            <a:r>
+              <a:rPr lang="en-US" altLang="en-US" sz="1600" dirty="0">
+                <a:sym typeface="+mn-ea"/>
+              </a:rPr>
+              <a:t>Fuzzy Matching: Matches expanded keywords with provider services using fuzzy matching algorithms</a:t>
+            </a:r>
+            <a:endParaRPr lang="en-US" altLang="en-US" sz="1600" dirty="0"/>
+          </a:p>
+          <a:p>
+            <a:pPr marL="285750" indent="-285750">
+              <a:buFont typeface="Arial" panose="020B0604020202020204" pitchFamily="34" charset="0"/>
+              <a:buChar char="•"/>
+            </a:pPr>
+            <a:r>
+              <a:rPr lang="en-US" altLang="en-US" sz="1600" b="1" dirty="0">
+                <a:sym typeface="+mn-ea"/>
+              </a:rPr>
+              <a:t>Message Generation</a:t>
+            </a:r>
+            <a:r>
+              <a:rPr lang="en-US" altLang="en-US" sz="1600" dirty="0">
+                <a:sym typeface="+mn-ea"/>
+              </a:rPr>
+              <a:t>:</a:t>
+            </a:r>
+            <a:endParaRPr lang="en-US" altLang="en-US" sz="1600" dirty="0"/>
+          </a:p>
+          <a:p>
+            <a:pPr marL="742950" lvl="1" indent="-285750">
+              <a:buFont typeface="Arial" panose="020B0604020202020204" pitchFamily="34" charset="0"/>
+              <a:buChar char="•"/>
+            </a:pPr>
+            <a:r>
+              <a:rPr lang="en-US" altLang="en-US" sz="1600" dirty="0">
+                <a:sym typeface="+mn-ea"/>
+              </a:rPr>
+              <a:t>Prompt Building: Constructs a prompt with customer details, spending behavior, and sentiment analysis</a:t>
+            </a:r>
+            <a:endParaRPr lang="en-US" altLang="en-US" sz="1600" dirty="0"/>
+          </a:p>
+          <a:p>
+            <a:pPr marL="742950" lvl="1" indent="-285750">
+              <a:buFont typeface="Arial" panose="020B0604020202020204" pitchFamily="34" charset="0"/>
+              <a:buChar char="•"/>
+            </a:pPr>
+            <a:r>
+              <a:rPr lang="en-US" altLang="en-US" sz="1600" dirty="0">
+                <a:sym typeface="+mn-ea"/>
+              </a:rPr>
+              <a:t>OpenAI GPT-4: Generates a personalized, empathetic message based on the prompt</a:t>
+            </a:r>
+            <a:endParaRPr lang="en-US" altLang="en-US" sz="1600" dirty="0"/>
+          </a:p>
+          <a:p>
+            <a:pPr marL="285750" indent="-285750">
+              <a:buFont typeface="Arial" panose="020B0604020202020204" pitchFamily="34" charset="0"/>
+              <a:buChar char="•"/>
+            </a:pPr>
+            <a:r>
+              <a:rPr lang="en-US" altLang="en-US" sz="1600" b="1" dirty="0">
+                <a:sym typeface="+mn-ea"/>
+              </a:rPr>
+              <a:t>Voice Integration</a:t>
+            </a:r>
+            <a:r>
+              <a:rPr lang="en-US" altLang="en-US" sz="1600" dirty="0">
+                <a:sym typeface="+mn-ea"/>
+              </a:rPr>
+              <a:t>:</a:t>
+            </a:r>
+            <a:endParaRPr lang="en-US" altLang="en-US" sz="1600" dirty="0"/>
+          </a:p>
+          <a:p>
+            <a:pPr marL="742950" lvl="1" indent="-285750">
+              <a:buFont typeface="Arial" panose="020B0604020202020204" pitchFamily="34" charset="0"/>
+              <a:buChar char="•"/>
+            </a:pPr>
+            <a:r>
+              <a:rPr lang="en-US" altLang="en-US" sz="1600" dirty="0">
+                <a:sym typeface="+mn-ea"/>
+              </a:rPr>
+              <a:t>Speech Recognition: Uses the Web Speech API for voice input</a:t>
+            </a:r>
+            <a:endParaRPr lang="en-US" altLang="en-US" sz="1600" dirty="0"/>
+          </a:p>
+          <a:p>
+            <a:pPr marL="742950" lvl="1" indent="-285750">
+              <a:buFont typeface="Arial" panose="020B0604020202020204" pitchFamily="34" charset="0"/>
+              <a:buChar char="•"/>
+            </a:pPr>
+            <a:r>
+              <a:rPr lang="en-US" altLang="en-US" sz="1600" dirty="0">
+                <a:sym typeface="+mn-ea"/>
+              </a:rPr>
+              <a:t>Voice Search: Converts voice input to text and processes it similarly to text search</a:t>
+            </a:r>
+            <a:endParaRPr lang="en-US" altLang="en-US" sz="1600" dirty="0"/>
+          </a:p>
+          <a:p>
+            <a:pPr marL="285750" indent="-285750">
+              <a:buFont typeface="Arial" panose="020B0604020202020204" pitchFamily="34" charset="0"/>
+              <a:buChar char="•"/>
+            </a:pPr>
+            <a:r>
+              <a:rPr lang="en-US" altLang="en-US" sz="1600" b="1" dirty="0">
+                <a:sym typeface="+mn-ea"/>
+              </a:rPr>
+              <a:t>Frontend Implementation</a:t>
+            </a:r>
+            <a:r>
+              <a:rPr lang="en-US" altLang="en-US" sz="1600" dirty="0">
+                <a:sym typeface="+mn-ea"/>
+              </a:rPr>
+              <a:t>:</a:t>
+            </a:r>
+            <a:endParaRPr lang="en-US" altLang="en-US" sz="1600" dirty="0"/>
+          </a:p>
+          <a:p>
+            <a:pPr marL="742950" lvl="1" indent="-285750">
+              <a:buFont typeface="Arial" panose="020B0604020202020204" pitchFamily="34" charset="0"/>
+              <a:buChar char="•"/>
+            </a:pPr>
+            <a:r>
+              <a:rPr lang="en-US" altLang="en-US" sz="1600" dirty="0">
+                <a:sym typeface="+mn-ea"/>
+              </a:rPr>
+              <a:t>HTML/CSS: Provides the structure and styling for the web application</a:t>
+            </a:r>
+            <a:endParaRPr lang="en-US" altLang="en-US" sz="1600" dirty="0"/>
+          </a:p>
+          <a:p>
+            <a:pPr marL="742950" lvl="1" indent="-285750">
+              <a:buFont typeface="Arial" panose="020B0604020202020204" pitchFamily="34" charset="0"/>
+              <a:buChar char="•"/>
+            </a:pPr>
+            <a:r>
+              <a:rPr lang="en-US" altLang="en-US" sz="1600" dirty="0">
+                <a:sym typeface="+mn-ea"/>
+              </a:rPr>
+              <a:t>JavaScript: Handles user interactions, fetches data from the backend, and updates the UI</a:t>
+            </a:r>
+            <a:endParaRPr lang="en-US" altLang="en-US" sz="1600" dirty="0"/>
+          </a:p>
+          <a:p>
+            <a:pPr marL="742950" lvl="1" indent="-285750">
+              <a:buFont typeface="Arial" panose="020B0604020202020204" pitchFamily="34" charset="0"/>
+              <a:buChar char="•"/>
+            </a:pPr>
+            <a:r>
+              <a:rPr lang="en-US" altLang="en-US" sz="1600" dirty="0">
+                <a:sym typeface="+mn-ea"/>
+              </a:rPr>
+              <a:t>Markdown Parsing: Uses the marked library to render Markdown responses as HTML</a:t>
+            </a:r>
+            <a:endParaRPr lang="en-US" altLang="en-US" sz="1600" dirty="0"/>
+          </a:p>
+          <a:p>
+            <a:pPr marL="285750" indent="-285750">
+              <a:buFont typeface="Arial" panose="020B0604020202020204" pitchFamily="34" charset="0"/>
+              <a:buChar char="•"/>
+            </a:pPr>
+            <a:r>
+              <a:rPr lang="en-US" altLang="en-US" sz="1600" b="1" dirty="0">
+                <a:sym typeface="+mn-ea"/>
+              </a:rPr>
+              <a:t>Security</a:t>
+            </a:r>
+            <a:r>
+              <a:rPr lang="en-US" altLang="en-US" sz="1600" dirty="0">
+                <a:sym typeface="+mn-ea"/>
+              </a:rPr>
+              <a:t>:</a:t>
+            </a:r>
+            <a:endParaRPr lang="en-US" altLang="en-US" sz="1600" dirty="0"/>
+          </a:p>
+          <a:p>
+            <a:pPr marL="742950" lvl="1" indent="-285750">
+              <a:buFont typeface="Arial" panose="020B0604020202020204" pitchFamily="34" charset="0"/>
+              <a:buChar char="•"/>
+            </a:pPr>
+            <a:r>
+              <a:rPr lang="en-US" altLang="en-US" sz="1600" dirty="0">
+                <a:sym typeface="+mn-ea"/>
+              </a:rPr>
+              <a:t>CSRF Protection: Ensures secure communication between frontend and backend using CSRF tokens</a:t>
+            </a:r>
+            <a:endParaRPr lang="en-US" altLang="en-US" sz="1600" dirty="0"/>
+          </a:p>
+          <a:p>
+            <a:pPr marL="285750" indent="-285750">
+              <a:buFont typeface="Arial" panose="020B0604020202020204" pitchFamily="34" charset="0"/>
+              <a:buChar char="•"/>
+            </a:pPr>
+            <a:r>
+              <a:rPr lang="en-US" altLang="en-US" sz="1600" b="1" dirty="0">
+                <a:sym typeface="+mn-ea"/>
+              </a:rPr>
+              <a:t>Deployment</a:t>
+            </a:r>
+            <a:r>
+              <a:rPr lang="en-US" altLang="en-US" sz="1600" dirty="0">
+                <a:sym typeface="+mn-ea"/>
+              </a:rPr>
+              <a:t>:</a:t>
+            </a:r>
+            <a:endParaRPr lang="en-US" altLang="en-US" sz="1600" dirty="0"/>
+          </a:p>
+          <a:p>
+            <a:pPr marL="742950" lvl="1" indent="-285750">
+              <a:buFont typeface="Arial" panose="020B0604020202020204" pitchFamily="34" charset="0"/>
+              <a:buChar char="•"/>
+            </a:pPr>
+            <a:r>
+              <a:rPr lang="en-US" altLang="en-US" sz="1600" dirty="0">
+                <a:sym typeface="+mn-ea"/>
+              </a:rPr>
+              <a:t>Hosting: Deployed on a web server with Django handling the backend and static files served for the frontend</a:t>
+            </a:r>
+            <a:endParaRPr lang="en-US" altLang="en-US" sz="1600"/>
+          </a:p>
+        </p:txBody>
+      </p:sp>
+    </p:spTree>
+  </p:cSld>
+  <p:clrMapOvr>
+    <a:masterClrMapping/>
+  </p:clrMapOvr>
+</p:sld>
+</file>
+
+<file path=ppt/slides/slide13.xml><?xml version="1.0" encoding="utf-8"?>
+<p:sld xmlns:a="http://schemas.openxmlformats.org/drawingml/2006/main" xmlns:r="http://schemas.openxmlformats.org/officeDocument/2006/relationships" xmlns:p="http://schemas.openxmlformats.org/presentationml/2006/main">
+  <p:cSld>
+    <p:spTree>
+      <p:nvGrpSpPr>
+        <p:cNvPr id="1" name=""/>
+        <p:cNvGrpSpPr/>
+        <p:nvPr/>
+      </p:nvGrpSpPr>
+      <p:grpSpPr/>
+      <p:sp>
+        <p:nvSpPr>
+          <p:cNvPr id="2" name="Title 1"/>
+          <p:cNvSpPr>
+            <a:spLocks noGrp="1"/>
+          </p:cNvSpPr>
+          <p:nvPr>
+            <p:ph type="title"/>
+          </p:nvPr>
+        </p:nvSpPr>
+        <p:spPr>
+          <a:xfrm>
+            <a:off x="535945" y="276616"/>
+            <a:ext cx="8529319" cy="492125"/>
+          </a:xfrm>
+        </p:spPr>
+        <p:txBody>
+          <a:bodyPr/>
+          <a:p>
+            <a:r>
+              <a:rPr lang="en-IN" altLang="en-US"/>
+              <a:t>Future Scope</a:t>
+            </a:r>
+            <a:endParaRPr lang="en-IN" altLang="en-US"/>
+          </a:p>
+        </p:txBody>
+      </p:sp>
+      <p:sp>
+        <p:nvSpPr>
+          <p:cNvPr id="3" name="Text Placeholder 2"/>
+          <p:cNvSpPr>
+            <a:spLocks noGrp="1"/>
+          </p:cNvSpPr>
+          <p:nvPr>
+            <p:ph type="body" idx="1"/>
+          </p:nvPr>
+        </p:nvSpPr>
+        <p:spPr>
+          <a:xfrm>
+            <a:off x="537529" y="1165779"/>
+            <a:ext cx="8526144" cy="3601085"/>
+          </a:xfrm>
+        </p:spPr>
+        <p:txBody>
+          <a:bodyPr/>
+          <a:p>
+            <a:pPr marL="285750" indent="-285750">
+              <a:buFont typeface="Arial" panose="020B0604020202020204" pitchFamily="34" charset="0"/>
+              <a:buChar char="•"/>
+            </a:pPr>
+            <a:r>
+              <a:rPr lang="en-IN" altLang="en-US"/>
+              <a:t>Implement a data extraction as an automated pipeline. </a:t>
+            </a:r>
+            <a:r>
+              <a:rPr lang="en-IN" altLang="en-US" dirty="0">
+                <a:sym typeface="+mn-ea"/>
+              </a:rPr>
+              <a:t>Robust data pipeline should be implemented for maintaining latest data relevant for each customers.</a:t>
+            </a:r>
+            <a:endParaRPr lang="en-IN" altLang="en-US"/>
+          </a:p>
+          <a:p>
+            <a:pPr marL="285750" indent="-285750">
+              <a:buFont typeface="Arial" panose="020B0604020202020204" pitchFamily="34" charset="0"/>
+              <a:buChar char="•"/>
+            </a:pPr>
+            <a:r>
+              <a:rPr lang="en-IN" altLang="en-US"/>
+              <a:t>Automate real time model training and trigger it based on events like when the user posts on social media.</a:t>
+            </a:r>
+            <a:endParaRPr lang="en-IN" altLang="en-US"/>
+          </a:p>
+          <a:p>
+            <a:pPr marL="285750" indent="-285750">
+              <a:buFont typeface="Arial" panose="020B0604020202020204" pitchFamily="34" charset="0"/>
+              <a:buChar char="•"/>
+            </a:pPr>
+            <a:r>
+              <a:rPr lang="en-IN" altLang="en-US"/>
+              <a:t>Currently, we used excel files as the data source. We would like to use a database to store data and recommendations history.</a:t>
+            </a:r>
+            <a:endParaRPr lang="en-IN" altLang="en-US"/>
+          </a:p>
+          <a:p>
+            <a:pPr marL="285750" indent="-285750">
+              <a:buFont typeface="Arial" panose="020B0604020202020204" pitchFamily="34" charset="0"/>
+              <a:buChar char="•"/>
+            </a:pPr>
+            <a:r>
+              <a:rPr lang="en-IN" altLang="en-US"/>
+              <a:t>The business provider side of implementation to provide insights for targeted marketing, customer engagement, etc mentioned in previous slides.</a:t>
+            </a:r>
+            <a:endParaRPr lang="en-IN" altLang="en-US"/>
+          </a:p>
+          <a:p>
+            <a:pPr marL="285750" indent="-285750">
+              <a:buFont typeface="Arial" panose="020B0604020202020204" pitchFamily="34" charset="0"/>
+              <a:buChar char="•"/>
+            </a:pPr>
+            <a:r>
+              <a:rPr lang="en-IN" altLang="en-US" dirty="0">
+                <a:sym typeface="+mn-ea"/>
+              </a:rPr>
+              <a:t>Integrated RAG approach for further curating response</a:t>
+            </a:r>
+            <a:endParaRPr lang="en-IN" altLang="en-US" dirty="0"/>
+          </a:p>
+          <a:p>
+            <a:pPr marL="285750" indent="-285750">
+              <a:buFont typeface="Arial" panose="020B0604020202020204" pitchFamily="34" charset="0"/>
+              <a:buChar char="•"/>
+            </a:pPr>
+            <a:r>
+              <a:rPr lang="en-IN" altLang="en-US" dirty="0">
+                <a:sym typeface="+mn-ea"/>
+              </a:rPr>
+              <a:t>Implementing security and privacy features when it comes to web application</a:t>
+            </a:r>
+            <a:endParaRPr lang="en-IN" altLang="en-US" dirty="0"/>
+          </a:p>
+          <a:p>
+            <a:pPr marL="285750" indent="-285750">
+              <a:buFont typeface="Arial" panose="020B0604020202020204" pitchFamily="34" charset="0"/>
+              <a:buChar char="•"/>
+            </a:pPr>
+            <a:r>
+              <a:rPr lang="en-IN" altLang="en-US" dirty="0">
+                <a:sym typeface="+mn-ea"/>
+              </a:rPr>
+              <a:t>Further advancement to support organizations to meet their financial goals</a:t>
+            </a:r>
+            <a:endParaRPr lang="en-IN" altLang="en-US"/>
+          </a:p>
+          <a:p>
+            <a:pPr marL="285750" indent="-285750">
+              <a:buFont typeface="Arial" panose="020B0604020202020204" pitchFamily="34" charset="0"/>
+              <a:buChar char="•"/>
+            </a:pPr>
+            <a:endParaRPr lang="en-IN" altLang="en-US"/>
+          </a:p>
+          <a:p>
+            <a:pPr marL="285750" indent="-285750">
+              <a:buFont typeface="Arial" panose="020B0604020202020204" pitchFamily="34" charset="0"/>
+              <a:buChar char="•"/>
+            </a:pPr>
+            <a:endParaRPr lang="en-IN" altLang="en-US"/>
+          </a:p>
+        </p:txBody>
+      </p:sp>
+    </p:spTree>
+  </p:cSld>
+  <p:clrMapOvr>
+    <a:masterClrMapping/>
+  </p:clrMapOvr>
+</p:sld>
+</file>
+
+<file path=ppt/slides/slide14.xml><?xml version="1.0" encoding="utf-8"?>
+<p:sld xmlns:a="http://schemas.openxmlformats.org/drawingml/2006/main" xmlns:r="http://schemas.openxmlformats.org/officeDocument/2006/relationships" xmlns:p="http://schemas.openxmlformats.org/presentationml/2006/main">
+  <p:cSld>
+    <p:spTree>
+      <p:nvGrpSpPr>
+        <p:cNvPr id="1" name=""/>
+        <p:cNvGrpSpPr/>
+        <p:nvPr/>
+      </p:nvGrpSpPr>
+      <p:grpSpPr/>
+      <p:sp>
+        <p:nvSpPr>
+          <p:cNvPr id="2" name="Title 1"/>
+          <p:cNvSpPr>
+            <a:spLocks noGrp="1"/>
+          </p:cNvSpPr>
+          <p:nvPr>
+            <p:ph type="title"/>
+          </p:nvPr>
+        </p:nvSpPr>
+        <p:spPr>
+          <a:xfrm>
+            <a:off x="535945" y="276616"/>
+            <a:ext cx="8529319" cy="492125"/>
+          </a:xfrm>
+        </p:spPr>
+        <p:txBody>
+          <a:bodyPr/>
+          <a:p>
+            <a:r>
+              <a:rPr lang="en-IN" altLang="en-US"/>
+              <a:t>Challanges We Faced</a:t>
+            </a:r>
+            <a:endParaRPr lang="en-IN" altLang="en-US"/>
+          </a:p>
+        </p:txBody>
+      </p:sp>
+      <p:sp>
+        <p:nvSpPr>
+          <p:cNvPr id="3" name="Text Placeholder 2"/>
+          <p:cNvSpPr>
+            <a:spLocks noGrp="1"/>
+          </p:cNvSpPr>
+          <p:nvPr>
+            <p:ph type="body" idx="1"/>
+          </p:nvPr>
+        </p:nvSpPr>
+        <p:spPr>
+          <a:xfrm>
+            <a:off x="537529" y="1165779"/>
+            <a:ext cx="8526144" cy="2769870"/>
+          </a:xfrm>
+        </p:spPr>
+        <p:txBody>
+          <a:bodyPr/>
+          <a:p>
+            <a:pPr marL="285750" indent="-285750">
+              <a:buFont typeface="Arial" panose="020B0604020202020204" pitchFamily="34" charset="0"/>
+              <a:buChar char="•"/>
+            </a:pPr>
+            <a:r>
+              <a:rPr lang="en-IN" altLang="en-US"/>
+              <a:t>Free LLMs or Libraries available often comes with a limit. </a:t>
+            </a:r>
+            <a:r>
+              <a:rPr lang="en-US" altLang="en-US"/>
+              <a:t>Balancing the computational demands of LLMs and sentiment analysis with the need for quick and responsive user interactions.</a:t>
+            </a:r>
+            <a:endParaRPr lang="en-US" altLang="en-US"/>
+          </a:p>
+          <a:p>
+            <a:pPr marL="285750" indent="-285750">
+              <a:buFont typeface="Arial" panose="020B0604020202020204" pitchFamily="34" charset="0"/>
+              <a:buChar char="•"/>
+            </a:pPr>
+            <a:r>
+              <a:rPr lang="en-US" altLang="en-US"/>
+              <a:t>Combining customer profile data, spending history, and social media sentiment into a cohesive and usable format was complex.</a:t>
+            </a:r>
+            <a:endParaRPr lang="en-US" altLang="en-US"/>
+          </a:p>
+          <a:p>
+            <a:pPr marL="285750" indent="-285750">
+              <a:buFont typeface="Arial" panose="020B0604020202020204" pitchFamily="34" charset="0"/>
+              <a:buChar char="•"/>
+            </a:pPr>
+            <a:r>
+              <a:rPr lang="en-IN" altLang="en-US"/>
+              <a:t>We could have explored some cloud platform like Google Cloud or Azure Open AI, so that infrastructure set up would have taken less time and it would have been easier to switch models to test optimum results.</a:t>
+            </a:r>
+            <a:endParaRPr lang="en-IN" altLang="en-US"/>
+          </a:p>
+          <a:p>
+            <a:pPr marL="285750" indent="-285750">
+              <a:buFont typeface="Arial" panose="020B0604020202020204" pitchFamily="34" charset="0"/>
+              <a:buChar char="•"/>
+            </a:pPr>
+            <a:r>
+              <a:rPr lang="en-IN" altLang="en-US"/>
+              <a:t>We understand the models we used for proptotype are very basic and will need fine tuning to optimize recommendations. </a:t>
+            </a:r>
+            <a:endParaRPr lang="en-IN" altLang="en-US"/>
+          </a:p>
+        </p:txBody>
+      </p:sp>
+    </p:spTree>
+  </p:cSld>
+  <p:clrMapOvr>
+    <a:masterClrMapping/>
+  </p:clrMapOvr>
+</p:sld>
+</file>
+
+<file path=ppt/slides/slide2.xml><?xml version="1.0" encoding="utf-8"?>
+<p:sld xmlns:a="http://schemas.openxmlformats.org/drawingml/2006/main" xmlns:r="http://schemas.openxmlformats.org/officeDocument/2006/relationships" xmlns:p="http://schemas.openxmlformats.org/presentationml/2006/main" showMasterSp="0">
+  <p:cSld>
+    <p:spTree>
+      <p:nvGrpSpPr>
+        <p:cNvPr id="1" name=""/>
+        <p:cNvGrpSpPr/>
+        <p:nvPr/>
+      </p:nvGrpSpPr>
+      <p:grpSpPr>
+        <a:xfrm>
+          <a:off x="0" y="0"/>
+          <a:ext cx="0" cy="0"/>
+          <a:chOff x="0" y="0"/>
+          <a:chExt cx="0" cy="0"/>
+        </a:xfrm>
+      </p:grpSpPr>
+      <p:sp>
+        <p:nvSpPr>
+          <p:cNvPr id="5" name="object 5"/>
+          <p:cNvSpPr txBox="1">
+            <a:spLocks noGrp="1"/>
+          </p:cNvSpPr>
+          <p:nvPr>
+            <p:ph type="sldNum" sz="quarter" idx="7"/>
+          </p:nvPr>
+        </p:nvSpPr>
+        <p:spPr>
+          <a:xfrm>
+            <a:off x="9387972" y="6711455"/>
+            <a:ext cx="212725" cy="153888"/>
+          </a:xfrm>
+          <a:prstGeom prst="rect">
+            <a:avLst/>
+          </a:prstGeom>
+        </p:spPr>
+        <p:txBody>
+          <a:bodyPr vert="horz" wrap="square" lIns="0" tIns="0" rIns="0" bIns="0" rtlCol="0">
+            <a:spAutoFit/>
+          </a:bodyPr>
+          <a:lstStyle/>
+          <a:p>
+            <a:pPr marL="25400">
+              <a:lnSpc>
+                <a:spcPct val="100000"/>
+              </a:lnSpc>
+            </a:pPr>
+            <a:r>
+              <a:rPr dirty="0"/>
+              <a:t>1</a:t>
+            </a:r>
+            <a:endParaRPr dirty="0"/>
+          </a:p>
+        </p:txBody>
+      </p:sp>
+      <p:sp>
+        <p:nvSpPr>
+          <p:cNvPr id="2" name="object 2"/>
+          <p:cNvSpPr txBox="1">
+            <a:spLocks noGrp="1"/>
+          </p:cNvSpPr>
+          <p:nvPr>
+            <p:ph type="title"/>
+          </p:nvPr>
+        </p:nvSpPr>
+        <p:spPr>
+          <a:xfrm>
+            <a:off x="612140" y="498165"/>
+            <a:ext cx="8150860" cy="492443"/>
+          </a:xfrm>
+          <a:prstGeom prst="rect">
+            <a:avLst/>
+          </a:prstGeom>
+        </p:spPr>
+        <p:txBody>
+          <a:bodyPr vert="horz" wrap="square" lIns="0" tIns="0" rIns="0" bIns="0" rtlCol="0">
+            <a:spAutoFit/>
+          </a:bodyPr>
+          <a:lstStyle/>
+          <a:p>
+            <a:pPr marL="12700">
+              <a:lnSpc>
+                <a:spcPct val="100000"/>
+              </a:lnSpc>
+            </a:pPr>
+            <a:r>
+              <a:rPr lang="en-US" spc="-5" dirty="0"/>
+              <a:t>Challenge Description</a:t>
+            </a:r>
+            <a:endParaRPr lang="en-US" spc="-5" dirty="0"/>
+          </a:p>
+        </p:txBody>
+      </p:sp>
+      <p:sp>
+        <p:nvSpPr>
+          <p:cNvPr id="3" name="object 3"/>
+          <p:cNvSpPr txBox="1"/>
+          <p:nvPr/>
+        </p:nvSpPr>
+        <p:spPr>
+          <a:xfrm>
+            <a:off x="609600" y="1518959"/>
+            <a:ext cx="7749540" cy="4486910"/>
+          </a:xfrm>
+          <a:prstGeom prst="rect">
+            <a:avLst/>
+          </a:prstGeom>
+        </p:spPr>
+        <p:txBody>
+          <a:bodyPr vert="horz" wrap="square" lIns="0" tIns="0" rIns="0" bIns="0" rtlCol="0">
+            <a:spAutoFit/>
+          </a:bodyPr>
+          <a:lstStyle/>
+          <a:p>
+            <a:pPr marL="12700" marR="5080" indent="0">
+              <a:lnSpc>
+                <a:spcPct val="150000"/>
+              </a:lnSpc>
+              <a:buFont typeface="Arial" panose="020B0604020202020204" pitchFamily="34" charset="0"/>
+              <a:buNone/>
+              <a:tabLst>
+                <a:tab pos="298450" algn="l"/>
+              </a:tabLst>
+            </a:pPr>
+            <a:r>
+              <a:rPr lang="en-US" altLang="en-US"/>
+              <a:t>Modern customers expect highly personalized experiences that cater to their unique preferences. In this hackathon, participants will develop a Generative AI-driven solution that enhances hyper-personalization by analyzing customer profiles, social media activity, purchase history, sentiment data, and demographic details. The challenge is to design a system that generates personalized recommendations for products, services, or content while also providing actionable insights for businesses to optimize customer engagement.</a:t>
+            </a:r>
+            <a:endParaRPr lang="en-US" altLang="en-US"/>
+          </a:p>
+          <a:p>
+            <a:pPr marL="298450" marR="5080" indent="-285750">
+              <a:lnSpc>
+                <a:spcPct val="150000"/>
+              </a:lnSpc>
+              <a:buFont typeface="Arial" panose="020B0604020202020204" pitchFamily="34" charset="0"/>
+              <a:buChar char="•"/>
+              <a:tabLst>
+                <a:tab pos="298450" algn="l"/>
+              </a:tabLst>
+            </a:pPr>
+            <a:endParaRPr lang="en-US"/>
+          </a:p>
+          <a:p>
+            <a:pPr marL="298450" marR="5080" indent="-285750">
+              <a:lnSpc>
+                <a:spcPct val="150000"/>
+              </a:lnSpc>
+              <a:buFont typeface="Arial" panose="020B0604020202020204" pitchFamily="34" charset="0"/>
+              <a:buChar char="•"/>
+              <a:tabLst>
+                <a:tab pos="298450" algn="l"/>
+              </a:tabLst>
+            </a:pPr>
+            <a:endParaRPr lang="en-US"/>
+          </a:p>
+          <a:p>
+            <a:pPr marL="298450" marR="5080" indent="-285750">
+              <a:lnSpc>
+                <a:spcPct val="150000"/>
+              </a:lnSpc>
+              <a:buFont typeface="Arial" panose="020B0604020202020204" pitchFamily="34" charset="0"/>
+              <a:buChar char="•"/>
+              <a:tabLst>
+                <a:tab pos="298450" algn="l"/>
+              </a:tabLst>
+            </a:pPr>
+            <a:endParaRPr lang="en-US"/>
+          </a:p>
+          <a:p>
+            <a:pPr marL="12700" marR="5080">
+              <a:lnSpc>
+                <a:spcPct val="120000"/>
+              </a:lnSpc>
+              <a:tabLst>
+                <a:tab pos="298450" algn="l"/>
+              </a:tabLst>
+            </a:pPr>
+            <a:endParaRPr lang="en-US"/>
+          </a:p>
+        </p:txBody>
+      </p:sp>
+      <p:sp>
+        <p:nvSpPr>
+          <p:cNvPr id="4" name="object 4"/>
+          <p:cNvSpPr/>
+          <p:nvPr/>
+        </p:nvSpPr>
+        <p:spPr>
+          <a:xfrm>
+            <a:off x="701674" y="1143000"/>
+            <a:ext cx="7375526" cy="375959"/>
+          </a:xfrm>
+          <a:custGeom>
+            <a:avLst/>
+            <a:gdLst/>
+            <a:ahLst/>
+            <a:cxnLst/>
+            <a:rect l="l" t="t" r="r" b="b"/>
+            <a:pathLst>
+              <a:path w="5775325">
+                <a:moveTo>
+                  <a:pt x="0" y="0"/>
+                </a:moveTo>
+                <a:lnTo>
+                  <a:pt x="5775325" y="0"/>
+                </a:lnTo>
+              </a:path>
+            </a:pathLst>
+          </a:custGeom>
+          <a:ln w="38100">
+            <a:solidFill>
+              <a:srgbClr val="5A5D62"/>
+            </a:solidFill>
+          </a:ln>
+        </p:spPr>
+        <p:txBody>
+          <a:bodyPr wrap="square" lIns="0" tIns="0" rIns="0" bIns="0" rtlCol="0"/>
+          <a:lstStyle/>
+          <a:p>
+            <a:endParaRPr dirty="0"/>
+          </a:p>
+        </p:txBody>
+      </p:sp>
+    </p:spTree>
+  </p:cSld>
+  <p:clrMapOvr>
+    <a:masterClrMapping/>
+  </p:clrMapOvr>
+  <p:transition>
+    <p:fade/>
+  </p:transition>
+</p:sld>
+</file>
+
+<file path=ppt/slides/slide3.xml><?xml version="1.0" encoding="utf-8"?>
+<p:sld xmlns:a="http://schemas.openxmlformats.org/drawingml/2006/main" xmlns:r="http://schemas.openxmlformats.org/officeDocument/2006/relationships" xmlns:p="http://schemas.openxmlformats.org/presentationml/2006/main" showMasterSp="0">
+  <p:cSld>
+    <p:spTree>
+      <p:nvGrpSpPr>
+        <p:cNvPr id="1" name=""/>
+        <p:cNvGrpSpPr/>
+        <p:nvPr/>
+      </p:nvGrpSpPr>
+      <p:grpSpPr>
+        <a:xfrm>
+          <a:off x="0" y="0"/>
+          <a:ext cx="0" cy="0"/>
+          <a:chOff x="0" y="0"/>
+          <a:chExt cx="0" cy="0"/>
+        </a:xfrm>
+      </p:grpSpPr>
+      <p:sp>
+        <p:nvSpPr>
+          <p:cNvPr id="5" name="object 5"/>
+          <p:cNvSpPr txBox="1">
+            <a:spLocks noGrp="1"/>
+          </p:cNvSpPr>
+          <p:nvPr>
+            <p:ph type="sldNum" sz="quarter" idx="7"/>
+          </p:nvPr>
+        </p:nvSpPr>
+        <p:spPr>
+          <a:xfrm>
+            <a:off x="9387972" y="6711455"/>
+            <a:ext cx="212725" cy="153888"/>
+          </a:xfrm>
+          <a:prstGeom prst="rect">
+            <a:avLst/>
+          </a:prstGeom>
+        </p:spPr>
+        <p:txBody>
+          <a:bodyPr vert="horz" wrap="square" lIns="0" tIns="0" rIns="0" bIns="0" rtlCol="0">
+            <a:spAutoFit/>
+          </a:bodyPr>
+          <a:lstStyle/>
+          <a:p>
+            <a:pPr marL="25400" marR="0" lvl="0" indent="0" algn="l" defTabSz="914400" rtl="0" eaLnBrk="1" fontAlgn="auto" latinLnBrk="0" hangingPunct="1">
+              <a:lnSpc>
+                <a:spcPct val="100000"/>
+              </a:lnSpc>
+              <a:spcBef>
+                <a:spcPts val="0"/>
+              </a:spcBef>
+              <a:spcAft>
+                <a:spcPts val="0"/>
+              </a:spcAft>
+              <a:buClrTx/>
+              <a:buSzTx/>
+              <a:buFontTx/>
+              <a:buNone/>
+              <a:defRPr/>
+            </a:pPr>
+            <a:r>
+              <a:rPr kumimoji="0" sz="1000" b="0" i="0" u="none" strike="noStrike" kern="1200" cap="none" spc="0" normalizeH="0" baseline="0" noProof="0" dirty="0">
+                <a:ln>
+                  <a:noFill/>
+                </a:ln>
+                <a:solidFill>
+                  <a:srgbClr val="626366"/>
+                </a:solidFill>
+                <a:effectLst/>
+                <a:uLnTx/>
+                <a:uFillTx/>
+                <a:latin typeface="Verdana" panose="020B0604030504040204"/>
+                <a:ea typeface="+mn-ea"/>
+              </a:rPr>
+              <a:t>1</a:t>
+            </a:r>
+            <a:endParaRPr kumimoji="0" sz="1000" b="0" i="0" u="none" strike="noStrike" kern="1200" cap="none" spc="0" normalizeH="0" baseline="0" noProof="0" dirty="0">
+              <a:ln>
+                <a:noFill/>
+              </a:ln>
+              <a:solidFill>
+                <a:srgbClr val="626366"/>
+              </a:solidFill>
+              <a:effectLst/>
+              <a:uLnTx/>
+              <a:uFillTx/>
+              <a:latin typeface="Verdana" panose="020B0604030504040204"/>
+              <a:ea typeface="+mn-ea"/>
+            </a:endParaRPr>
+          </a:p>
+        </p:txBody>
+      </p:sp>
+      <p:sp>
+        <p:nvSpPr>
+          <p:cNvPr id="2" name="object 2"/>
+          <p:cNvSpPr txBox="1">
+            <a:spLocks noGrp="1"/>
+          </p:cNvSpPr>
+          <p:nvPr>
+            <p:ph type="title"/>
+          </p:nvPr>
+        </p:nvSpPr>
+        <p:spPr>
+          <a:xfrm>
+            <a:off x="612140" y="498165"/>
+            <a:ext cx="8150860" cy="492125"/>
+          </a:xfrm>
+          <a:prstGeom prst="rect">
+            <a:avLst/>
+          </a:prstGeom>
+        </p:spPr>
+        <p:txBody>
+          <a:bodyPr vert="horz" wrap="square" lIns="0" tIns="0" rIns="0" bIns="0" rtlCol="0">
+            <a:spAutoFit/>
+          </a:bodyPr>
+          <a:lstStyle/>
+          <a:p>
+            <a:pPr marL="12700">
+              <a:lnSpc>
+                <a:spcPct val="100000"/>
+              </a:lnSpc>
+            </a:pPr>
+            <a:r>
+              <a:rPr lang="en-IN" altLang="en-US" spc="-5" dirty="0"/>
+              <a:t>Solution Overview</a:t>
+            </a:r>
+            <a:endParaRPr lang="en-IN" altLang="en-US" spc="-5" dirty="0"/>
+          </a:p>
+        </p:txBody>
+      </p:sp>
+      <p:sp>
+        <p:nvSpPr>
+          <p:cNvPr id="4" name="object 4"/>
+          <p:cNvSpPr/>
+          <p:nvPr/>
+        </p:nvSpPr>
+        <p:spPr>
+          <a:xfrm>
+            <a:off x="701674" y="1143000"/>
+            <a:ext cx="7189542" cy="375959"/>
+          </a:xfrm>
+          <a:custGeom>
+            <a:avLst/>
+            <a:gdLst/>
+            <a:ahLst/>
+            <a:cxnLst/>
+            <a:rect l="l" t="t" r="r" b="b"/>
+            <a:pathLst>
+              <a:path w="5775325">
+                <a:moveTo>
+                  <a:pt x="0" y="0"/>
+                </a:moveTo>
+                <a:lnTo>
+                  <a:pt x="5775325" y="0"/>
+                </a:lnTo>
+              </a:path>
+            </a:pathLst>
+          </a:custGeom>
+          <a:ln w="38100">
+            <a:solidFill>
+              <a:srgbClr val="5A5D62"/>
+            </a:solidFill>
+          </a:ln>
+        </p:spPr>
+        <p:txBody>
+          <a:bodyPr wrap="square" lIns="0" tIns="0" rIns="0" bIns="0" rtlCol="0"/>
+          <a:lstStyle/>
+          <a:p>
+            <a:pPr marL="0" marR="0" lvl="0" indent="0" algn="l" defTabSz="914400" rtl="0" eaLnBrk="1" fontAlgn="auto" latinLnBrk="0" hangingPunct="1">
+              <a:lnSpc>
+                <a:spcPct val="100000"/>
+              </a:lnSpc>
+              <a:spcBef>
+                <a:spcPts val="0"/>
+              </a:spcBef>
+              <a:spcAft>
+                <a:spcPts val="0"/>
+              </a:spcAft>
+              <a:buClrTx/>
+              <a:buSzTx/>
+              <a:buFontTx/>
+              <a:buNone/>
+              <a:defRPr/>
+            </a:pPr>
+            <a:endParaRPr kumimoji="0" sz="1800" b="0" i="0" u="none" strike="noStrike" kern="1200" cap="none" spc="0" normalizeH="0" baseline="0" noProof="0" dirty="0">
+              <a:ln>
+                <a:noFill/>
+              </a:ln>
+              <a:solidFill>
+                <a:prstClr val="black"/>
+              </a:solidFill>
+              <a:effectLst/>
+              <a:uLnTx/>
+              <a:uFillTx/>
+              <a:latin typeface="Calibri" panose="020F0502020204030204"/>
+              <a:ea typeface="+mn-ea"/>
+              <a:cs typeface="+mn-cs"/>
+            </a:endParaRPr>
+          </a:p>
+        </p:txBody>
+      </p:sp>
+      <p:sp>
+        <p:nvSpPr>
+          <p:cNvPr id="3" name="Text Box 2"/>
+          <p:cNvSpPr txBox="1"/>
+          <p:nvPr/>
+        </p:nvSpPr>
+        <p:spPr>
+          <a:xfrm>
+            <a:off x="982980" y="1718945"/>
+            <a:ext cx="3200400" cy="368300"/>
+          </a:xfrm>
+          <a:prstGeom prst="rect">
+            <a:avLst/>
+          </a:prstGeom>
+          <a:noFill/>
+        </p:spPr>
+        <p:txBody>
+          <a:bodyPr wrap="square" rtlCol="0">
+            <a:spAutoFit/>
+          </a:bodyPr>
+          <a:p>
+            <a:endParaRPr lang="en-US"/>
+          </a:p>
+        </p:txBody>
+      </p:sp>
+      <p:sp>
+        <p:nvSpPr>
+          <p:cNvPr id="9" name="Text Box 8"/>
+          <p:cNvSpPr txBox="1"/>
+          <p:nvPr/>
+        </p:nvSpPr>
+        <p:spPr>
+          <a:xfrm>
+            <a:off x="671830" y="1530350"/>
+            <a:ext cx="8532495" cy="4807585"/>
+          </a:xfrm>
+          <a:prstGeom prst="rect">
+            <a:avLst/>
+          </a:prstGeom>
+          <a:noFill/>
+        </p:spPr>
+        <p:txBody>
+          <a:bodyPr wrap="square" rtlCol="0">
+            <a:noAutofit/>
+          </a:bodyPr>
+          <a:p>
+            <a:pPr marL="285750" indent="-285750">
+              <a:buFont typeface="Arial" panose="020B0604020202020204" pitchFamily="34" charset="0"/>
+              <a:buChar char="•"/>
+            </a:pPr>
+            <a:r>
+              <a:rPr lang="en-IN" altLang="en-US"/>
+              <a:t>The product name is called “</a:t>
+            </a:r>
+            <a:r>
+              <a:rPr lang="en-US" altLang="en-US" b="1"/>
+              <a:t>HyperFin</a:t>
+            </a:r>
+            <a:r>
+              <a:rPr lang="en-IN" altLang="en-US"/>
+              <a:t>”</a:t>
+            </a:r>
+            <a:endParaRPr lang="en-US" altLang="en-US"/>
+          </a:p>
+          <a:p>
+            <a:pPr marL="285750" indent="-285750">
+              <a:buFont typeface="Arial" panose="020B0604020202020204" pitchFamily="34" charset="0"/>
+              <a:buChar char="•"/>
+            </a:pPr>
+            <a:r>
+              <a:rPr lang="en-US" altLang="en-US"/>
+              <a:t>HyperFin</a:t>
+            </a:r>
+            <a:r>
+              <a:rPr lang="en-IN" altLang="en-US"/>
+              <a:t> </a:t>
+            </a:r>
+            <a:r>
+              <a:rPr lang="en-US" altLang="en-US"/>
+              <a:t>is an </a:t>
+            </a:r>
+            <a:r>
+              <a:rPr lang="en-US" altLang="en-US" b="1"/>
+              <a:t>AI-driven virtual financial guru</a:t>
+            </a:r>
+            <a:r>
+              <a:rPr lang="en-US" altLang="en-US"/>
+              <a:t> designed to provide hyper-personalized financial guidance to individuals and businesses. Leveraging cutting-edge technologies like Large Language Models (LLMs), sentiment analysis, and causal inference, HyperFinLocal goes beyond generic financial advice to understand users' emotional relationship with money and connect them with relevant financial resources.</a:t>
+            </a:r>
+            <a:endParaRPr lang="en-US" altLang="en-US"/>
+          </a:p>
+          <a:p>
+            <a:pPr marL="285750" indent="-285750">
+              <a:buFont typeface="Arial" panose="020B0604020202020204" pitchFamily="34" charset="0"/>
+              <a:buChar char="•"/>
+            </a:pPr>
+            <a:r>
+              <a:rPr lang="en-US" altLang="en-US" b="1"/>
+              <a:t>Unique Selling Proposition (USP):</a:t>
+            </a:r>
+            <a:endParaRPr lang="en-US" altLang="en-US"/>
+          </a:p>
+          <a:p>
+            <a:pPr marL="742950" lvl="1" indent="-285750">
+              <a:buFont typeface="Arial" panose="020B0604020202020204" pitchFamily="34" charset="0"/>
+              <a:buChar char="•"/>
+            </a:pPr>
+            <a:r>
+              <a:rPr lang="en-US" altLang="en-US"/>
+              <a:t>HyperFinLocal is the financial recommendation system to combine AI-driven emotional intelligence with causal analysis and comprehensive resource integration, providing a truly holistic and personalized financial experience for both individuals and businesses.</a:t>
+            </a:r>
+            <a:endParaRPr lang="en-US" altLang="en-US"/>
+          </a:p>
+        </p:txBody>
+      </p:sp>
+    </p:spTree>
+  </p:cSld>
+  <p:clrMapOvr>
+    <a:masterClrMapping/>
+  </p:clrMapOvr>
+  <p:transition>
+    <p:fade/>
+  </p:transition>
+</p:sld>
+</file>
+
+<file path=ppt/slides/slide4.xml><?xml version="1.0" encoding="utf-8"?>
+<p:sld xmlns:a="http://schemas.openxmlformats.org/drawingml/2006/main" xmlns:r="http://schemas.openxmlformats.org/officeDocument/2006/relationships" xmlns:p="http://schemas.openxmlformats.org/presentationml/2006/main">
+  <p:cSld>
+    <p:spTree>
+      <p:nvGrpSpPr>
+        <p:cNvPr id="1" name=""/>
+        <p:cNvGrpSpPr/>
+        <p:nvPr/>
+      </p:nvGrpSpPr>
+      <p:grpSpPr/>
+      <p:sp>
+        <p:nvSpPr>
+          <p:cNvPr id="2" name="Title 1"/>
+          <p:cNvSpPr>
+            <a:spLocks noGrp="1"/>
+          </p:cNvSpPr>
+          <p:nvPr>
+            <p:ph type="title"/>
+          </p:nvPr>
+        </p:nvSpPr>
+        <p:spPr>
+          <a:xfrm>
+            <a:off x="535945" y="276616"/>
+            <a:ext cx="8529319" cy="492125"/>
+          </a:xfrm>
+        </p:spPr>
+        <p:txBody>
+          <a:bodyPr/>
+          <a:p>
+            <a:r>
+              <a:rPr lang="en-IN" altLang="en-US"/>
+              <a:t>Use Cases</a:t>
+            </a:r>
+            <a:endParaRPr lang="en-IN" altLang="en-US"/>
+          </a:p>
+        </p:txBody>
+      </p:sp>
+      <p:sp>
+        <p:nvSpPr>
+          <p:cNvPr id="3" name="Text Placeholder 2"/>
+          <p:cNvSpPr>
+            <a:spLocks noGrp="1"/>
+          </p:cNvSpPr>
+          <p:nvPr>
+            <p:ph type="body" idx="1"/>
+          </p:nvPr>
+        </p:nvSpPr>
+        <p:spPr>
+          <a:xfrm>
+            <a:off x="537529" y="1165779"/>
+            <a:ext cx="8526144" cy="4524375"/>
+          </a:xfrm>
+        </p:spPr>
+        <p:txBody>
+          <a:bodyPr/>
+          <a:p>
+            <a:pPr marL="228600" indent="-228600">
+              <a:buAutoNum type="arabicPeriod"/>
+            </a:pPr>
+            <a:r>
+              <a:rPr lang="en-US" altLang="en-US" sz="1400" b="1"/>
+              <a:t>Personalized Financial Guidance via Chat/Voice:</a:t>
+            </a:r>
+            <a:endParaRPr lang="en-US" altLang="en-US" sz="1400" b="1"/>
+          </a:p>
+          <a:p>
+            <a:pPr marL="685800" lvl="1" indent="-228600">
+              <a:buAutoNum type="arabicPeriod"/>
+            </a:pPr>
+            <a:r>
+              <a:rPr lang="en-US" altLang="en-US" sz="1400"/>
+              <a:t>Users interact with FinSight Local through text or voice to ask questions about budgeting, saving, investing, debt management, and general financial planning.</a:t>
+            </a:r>
+            <a:endParaRPr lang="en-US" altLang="en-US" sz="1400"/>
+          </a:p>
+          <a:p>
+            <a:pPr marL="685800" lvl="1" indent="-228600">
+              <a:buAutoNum type="arabicPeriod"/>
+            </a:pPr>
+            <a:r>
+              <a:rPr lang="en-US" altLang="en-US" sz="1400"/>
+              <a:t>FinSight Local provides personalized answers and recommendations based on user data and financial insights.</a:t>
+            </a:r>
+            <a:endParaRPr lang="en-US" altLang="en-US" sz="1400"/>
+          </a:p>
+          <a:p>
+            <a:pPr marL="228600" indent="-228600">
+              <a:buAutoNum type="arabicPeriod"/>
+            </a:pPr>
+            <a:r>
+              <a:rPr lang="en-US" altLang="en-US" sz="1400" b="1"/>
+              <a:t>Emotional Sentiment Analysis and Empathetic Responses:</a:t>
+            </a:r>
+            <a:endParaRPr lang="en-US" altLang="en-US" sz="1400" b="1"/>
+          </a:p>
+          <a:p>
+            <a:pPr marL="685800" lvl="1" indent="-228600">
+              <a:buAutoNum type="arabicPeriod"/>
+            </a:pPr>
+            <a:r>
+              <a:rPr lang="en-US" altLang="en-US" sz="1400"/>
+              <a:t>FinSight Local analyzes user input for emotional cues (e.g., anxiety, stress, joy) related to financial topics.</a:t>
+            </a:r>
+            <a:endParaRPr lang="en-US" altLang="en-US" sz="1400"/>
+          </a:p>
+          <a:p>
+            <a:pPr marL="685800" lvl="1" indent="-228600">
+              <a:buAutoNum type="arabicPeriod"/>
+            </a:pPr>
+            <a:r>
+              <a:rPr lang="en-US" altLang="en-US" sz="1400"/>
+              <a:t>The system provides empathetic responses and tailors advice to address the user's emotional state.</a:t>
+            </a:r>
+            <a:endParaRPr lang="en-US" altLang="en-US" sz="1400"/>
+          </a:p>
+          <a:p>
+            <a:pPr marL="228600" indent="-228600">
+              <a:buAutoNum type="arabicPeriod"/>
+            </a:pPr>
+            <a:r>
+              <a:rPr lang="en-US" altLang="en-US" sz="1400" b="1"/>
+              <a:t>Causal Insight Generation and Actionable Recommendations:</a:t>
+            </a:r>
+            <a:endParaRPr lang="en-US" altLang="en-US" sz="1400" b="1"/>
+          </a:p>
+          <a:p>
+            <a:pPr marL="685800" lvl="1" indent="-228600">
+              <a:buAutoNum type="arabicPeriod"/>
+            </a:pPr>
+            <a:r>
+              <a:rPr lang="en-US" altLang="en-US" sz="1400"/>
+              <a:t>FinSight Local identifies causal relationships between user actions and financial outcomes (e.g., frequent dining out leads to higher spending).</a:t>
+            </a:r>
+            <a:endParaRPr lang="en-US" altLang="en-US" sz="1400"/>
+          </a:p>
+          <a:p>
+            <a:pPr marL="685800" lvl="1" indent="-228600">
+              <a:buAutoNum type="arabicPeriod"/>
+            </a:pPr>
+            <a:r>
+              <a:rPr lang="en-US" altLang="en-US" sz="1400"/>
+              <a:t>The system provides actionable recommendations based on these causal insights, helping users understand the "why" behind their financial patterns.</a:t>
+            </a:r>
+            <a:endParaRPr lang="en-US" altLang="en-US" sz="1400"/>
+          </a:p>
+          <a:p>
+            <a:pPr marL="228600" indent="-228600">
+              <a:buAutoNum type="arabicPeriod"/>
+            </a:pPr>
+            <a:r>
+              <a:rPr lang="en-US" altLang="en-US" sz="1400" b="1"/>
+              <a:t>Resource Integration and Recommendations:</a:t>
+            </a:r>
+            <a:endParaRPr lang="en-US" altLang="en-US" sz="1400" b="1"/>
+          </a:p>
+          <a:p>
+            <a:pPr marL="685800" lvl="1" indent="-228600">
+              <a:buAutoNum type="arabicPeriod"/>
+            </a:pPr>
+            <a:r>
+              <a:rPr lang="en-US" altLang="en-US" sz="1400"/>
+              <a:t>FinSight Local connects users with relevant financial resources, such as banks, credit unions, financial workshops, and investment opportunities.</a:t>
+            </a:r>
+            <a:endParaRPr lang="en-US" altLang="en-US" sz="1400"/>
+          </a:p>
+          <a:p>
+            <a:pPr marL="685800" lvl="1" indent="-228600">
+              <a:buAutoNum type="arabicPeriod"/>
+            </a:pPr>
+            <a:r>
+              <a:rPr lang="en-US" altLang="en-US" sz="1400"/>
+              <a:t>The system provides recommendations based on user needs and interests.</a:t>
+            </a:r>
+            <a:endParaRPr lang="en-US" altLang="en-US" sz="1400"/>
+          </a:p>
+          <a:p>
+            <a:pPr marL="228600" indent="-228600">
+              <a:buAutoNum type="arabicPeriod"/>
+            </a:pPr>
+            <a:r>
+              <a:rPr lang="en-US" altLang="en-US" sz="1400" b="1"/>
+              <a:t>Proactive Financial Monitoring and Notifications:</a:t>
+            </a:r>
+            <a:endParaRPr lang="en-US" altLang="en-US" sz="1400" b="1"/>
+          </a:p>
+          <a:p>
+            <a:pPr marL="685800" lvl="1" indent="-228600">
+              <a:buAutoNum type="arabicPeriod"/>
+            </a:pPr>
+            <a:r>
+              <a:rPr lang="en-US" altLang="en-US" sz="1400"/>
+              <a:t>FinSight Local monitors user financial data and relevant events, proactively pushing personalized insights and opportunities.</a:t>
+            </a:r>
+            <a:endParaRPr lang="en-US" altLang="en-US" sz="1400"/>
+          </a:p>
+          <a:p>
+            <a:pPr marL="685800" lvl="1" indent="-228600">
+              <a:buAutoNum type="arabicPeriod"/>
+            </a:pPr>
+            <a:r>
+              <a:rPr lang="en-US" altLang="en-US" sz="1400"/>
+              <a:t>The system alerts users to potential financial risks, upcoming events, and relevant offers.</a:t>
+            </a:r>
+            <a:endParaRPr lang="en-US" altLang="en-US" sz="1400"/>
+          </a:p>
+        </p:txBody>
+      </p:sp>
+    </p:spTree>
+  </p:cSld>
+  <p:clrMapOvr>
+    <a:masterClrMapping/>
+  </p:clrMapOvr>
+</p:sld>
+</file>
+
+<file path=ppt/slides/slide5.xml><?xml version="1.0" encoding="utf-8"?>
+<p:sld xmlns:a="http://schemas.openxmlformats.org/drawingml/2006/main" xmlns:r="http://schemas.openxmlformats.org/officeDocument/2006/relationships" xmlns:p="http://schemas.openxmlformats.org/presentationml/2006/main">
+  <p:cSld>
+    <p:spTree>
+      <p:nvGrpSpPr>
+        <p:cNvPr id="1" name=""/>
+        <p:cNvGrpSpPr/>
+        <p:nvPr/>
+      </p:nvGrpSpPr>
+      <p:grpSpPr/>
+      <p:sp>
+        <p:nvSpPr>
+          <p:cNvPr id="2" name="Title 1"/>
+          <p:cNvSpPr>
+            <a:spLocks noGrp="1"/>
+          </p:cNvSpPr>
+          <p:nvPr>
+            <p:ph type="title"/>
+          </p:nvPr>
+        </p:nvSpPr>
+        <p:spPr>
+          <a:xfrm>
+            <a:off x="535945" y="276616"/>
+            <a:ext cx="8529319" cy="492125"/>
+          </a:xfrm>
+        </p:spPr>
+        <p:txBody>
+          <a:bodyPr/>
+          <a:p>
+            <a:r>
+              <a:rPr lang="en-IN" altLang="en-US"/>
+              <a:t>Use Cases (contd..)</a:t>
+            </a:r>
+            <a:endParaRPr lang="en-IN" altLang="en-US"/>
+          </a:p>
+        </p:txBody>
+      </p:sp>
+      <p:sp>
+        <p:nvSpPr>
+          <p:cNvPr id="3" name="Text Placeholder 2"/>
+          <p:cNvSpPr>
+            <a:spLocks noGrp="1"/>
+          </p:cNvSpPr>
+          <p:nvPr>
+            <p:ph type="body" idx="1"/>
+          </p:nvPr>
+        </p:nvSpPr>
+        <p:spPr>
+          <a:xfrm>
+            <a:off x="537529" y="1165779"/>
+            <a:ext cx="8526144" cy="2585085"/>
+          </a:xfrm>
+        </p:spPr>
+        <p:txBody>
+          <a:bodyPr/>
+          <a:p>
+            <a:pPr marL="228600" indent="-228600">
+              <a:buAutoNum type="arabicPeriod"/>
+            </a:pPr>
+            <a:r>
+              <a:rPr lang="en-US" altLang="en-US" sz="1400" b="1"/>
+              <a:t>Personalized Budgeting and Savings Advice:</a:t>
+            </a:r>
+            <a:endParaRPr lang="en-US" altLang="en-US" sz="1400" b="1"/>
+          </a:p>
+          <a:p>
+            <a:pPr marL="685800" lvl="1" indent="-228600">
+              <a:buAutoNum type="arabicPeriod"/>
+            </a:pPr>
+            <a:r>
+              <a:rPr lang="en-US" altLang="en-US" sz="1400">
+                <a:sym typeface="+mn-ea"/>
+              </a:rPr>
+              <a:t>HyperFin</a:t>
+            </a:r>
+            <a:r>
+              <a:rPr lang="en-US" altLang="en-US" sz="1400"/>
+              <a:t> analyzes user spending patterns and provides personalized budgeting recommendations.</a:t>
+            </a:r>
+            <a:endParaRPr lang="en-US" altLang="en-US" sz="1400"/>
+          </a:p>
+          <a:p>
+            <a:pPr marL="685800" lvl="1" indent="-228600">
+              <a:buAutoNum type="arabicPeriod"/>
+            </a:pPr>
+            <a:r>
+              <a:rPr lang="en-US" altLang="en-US" sz="1400"/>
+              <a:t>The system helps users set savings goals and track their progress.</a:t>
+            </a:r>
+            <a:endParaRPr lang="en-US" altLang="en-US" sz="1400"/>
+          </a:p>
+          <a:p>
+            <a:pPr marL="228600" indent="-228600">
+              <a:buAutoNum type="arabicPeriod"/>
+            </a:pPr>
+            <a:r>
+              <a:rPr lang="en-US" altLang="en-US" sz="1400" b="1"/>
+              <a:t>Investment Recommendations and Risk Assessment:</a:t>
+            </a:r>
+            <a:endParaRPr lang="en-US" altLang="en-US" sz="1400" b="1"/>
+          </a:p>
+          <a:p>
+            <a:pPr marL="685800" lvl="1" indent="-228600">
+              <a:buAutoNum type="arabicPeriod"/>
+            </a:pPr>
+            <a:r>
+              <a:rPr lang="en-US" altLang="en-US" sz="1400">
+                <a:sym typeface="+mn-ea"/>
+              </a:rPr>
+              <a:t>HyperFin</a:t>
+            </a:r>
+            <a:r>
+              <a:rPr lang="en-US" altLang="en-US" sz="1400">
+                <a:sym typeface="+mn-ea"/>
+              </a:rPr>
+              <a:t> </a:t>
+            </a:r>
+            <a:r>
+              <a:rPr lang="en-US" altLang="en-US" sz="1400"/>
+              <a:t> assesses user risk tolerance and recommends suitable investment options.</a:t>
+            </a:r>
+            <a:endParaRPr lang="en-US" altLang="en-US" sz="1400"/>
+          </a:p>
+          <a:p>
+            <a:pPr marL="685800" lvl="1" indent="-228600">
+              <a:buAutoNum type="arabicPeriod"/>
+            </a:pPr>
+            <a:r>
+              <a:rPr lang="en-US" altLang="en-US" sz="1400"/>
+              <a:t>The system provides insights into market trends and investment opportunities.</a:t>
+            </a:r>
+            <a:endParaRPr lang="en-US" altLang="en-US" sz="1400"/>
+          </a:p>
+          <a:p>
+            <a:pPr marL="228600" indent="-228600">
+              <a:buAutoNum type="arabicPeriod"/>
+            </a:pPr>
+            <a:r>
+              <a:rPr lang="en-US" altLang="en-US" sz="1400" b="1"/>
+              <a:t>Financial Goal Setting and Progress Tracking:</a:t>
+            </a:r>
+            <a:endParaRPr lang="en-US" altLang="en-US" sz="1400"/>
+          </a:p>
+          <a:p>
+            <a:pPr marL="685800" lvl="1" indent="-228600">
+              <a:buAutoNum type="arabicPeriod"/>
+            </a:pPr>
+            <a:r>
+              <a:rPr lang="en-US" altLang="en-US" sz="1400">
+                <a:sym typeface="+mn-ea"/>
+              </a:rPr>
+              <a:t>HyperFin</a:t>
+            </a:r>
+            <a:r>
+              <a:rPr lang="en-US" altLang="en-US" sz="1400">
+                <a:sym typeface="+mn-ea"/>
+              </a:rPr>
+              <a:t> </a:t>
+            </a:r>
+            <a:r>
+              <a:rPr lang="en-US" altLang="en-US" sz="1400"/>
+              <a:t>helps users set financial goals and track their progress over time.</a:t>
+            </a:r>
+            <a:endParaRPr lang="en-US" altLang="en-US" sz="1400"/>
+          </a:p>
+          <a:p>
+            <a:pPr marL="685800" lvl="1" indent="-228600">
+              <a:buAutoNum type="arabicPeriod"/>
+            </a:pPr>
+            <a:r>
+              <a:rPr lang="en-US" altLang="en-US" sz="1400"/>
+              <a:t>The system provides visual representations of goal progress and motivates users to stay on track.</a:t>
+            </a:r>
+            <a:endParaRPr lang="en-US" altLang="en-US" sz="1400"/>
+          </a:p>
+          <a:p>
+            <a:pPr marL="228600" indent="-228600">
+              <a:buAutoNum type="arabicPeriod"/>
+            </a:pPr>
+            <a:r>
+              <a:rPr lang="en-US" altLang="en-US" sz="1400" b="1"/>
+              <a:t>Financial Education and Literacy:</a:t>
+            </a:r>
+            <a:endParaRPr lang="en-US" altLang="en-US" sz="1400" b="1"/>
+          </a:p>
+          <a:p>
+            <a:pPr marL="685800" lvl="1" indent="-228600">
+              <a:buAutoNum type="arabicPeriod"/>
+            </a:pPr>
+            <a:r>
+              <a:rPr lang="en-US" altLang="en-US" sz="1400">
+                <a:sym typeface="+mn-ea"/>
+              </a:rPr>
+              <a:t>HyperFin</a:t>
+            </a:r>
+            <a:r>
+              <a:rPr lang="en-US" altLang="en-US" sz="1400">
+                <a:sym typeface="+mn-ea"/>
+              </a:rPr>
+              <a:t> </a:t>
+            </a:r>
+            <a:r>
+              <a:rPr lang="en-US" altLang="en-US" sz="1400"/>
+              <a:t>provides educational content and resources to improve financial literacy.</a:t>
+            </a:r>
+            <a:endParaRPr lang="en-US" altLang="en-US" sz="1400"/>
+          </a:p>
+          <a:p>
+            <a:pPr marL="685800" lvl="1" indent="-228600">
+              <a:buAutoNum type="arabicPeriod"/>
+            </a:pPr>
+            <a:r>
+              <a:rPr lang="en-US" altLang="en-US" sz="1400"/>
+              <a:t>The system explains complex financial concepts in a clear and understandable way.</a:t>
+            </a:r>
+            <a:endParaRPr lang="en-US" altLang="en-US" sz="1400"/>
+          </a:p>
+        </p:txBody>
+      </p:sp>
+    </p:spTree>
+  </p:cSld>
+  <p:clrMapOvr>
+    <a:masterClrMapping/>
+  </p:clrMapOvr>
+</p:sld>
+</file>
+
+<file path=ppt/slides/slide6.xml><?xml version="1.0" encoding="utf-8"?>
+<p:sld xmlns:a="http://schemas.openxmlformats.org/drawingml/2006/main" xmlns:r="http://schemas.openxmlformats.org/officeDocument/2006/relationships" xmlns:p="http://schemas.openxmlformats.org/presentationml/2006/main">
+  <p:cSld>
+    <p:spTree>
+      <p:nvGrpSpPr>
+        <p:cNvPr id="1" name=""/>
+        <p:cNvGrpSpPr/>
+        <p:nvPr/>
+      </p:nvGrpSpPr>
+      <p:grpSpPr/>
+      <p:sp>
+        <p:nvSpPr>
+          <p:cNvPr id="2" name="Title 1"/>
+          <p:cNvSpPr>
+            <a:spLocks noGrp="1"/>
+          </p:cNvSpPr>
+          <p:nvPr>
+            <p:ph type="title"/>
+          </p:nvPr>
+        </p:nvSpPr>
+        <p:spPr>
+          <a:xfrm>
+            <a:off x="535945" y="276616"/>
+            <a:ext cx="8529319" cy="492125"/>
+          </a:xfrm>
+        </p:spPr>
+        <p:txBody>
+          <a:bodyPr/>
+          <a:p>
+            <a:r>
+              <a:rPr lang="en-IN" altLang="en-US"/>
+              <a:t>Key Features</a:t>
+            </a:r>
+            <a:endParaRPr lang="en-IN" altLang="en-US"/>
+          </a:p>
+        </p:txBody>
+      </p:sp>
+      <p:sp>
+        <p:nvSpPr>
+          <p:cNvPr id="3" name="Text Placeholder 2"/>
+          <p:cNvSpPr>
+            <a:spLocks noGrp="1"/>
+          </p:cNvSpPr>
+          <p:nvPr>
+            <p:ph type="body" idx="1"/>
+          </p:nvPr>
+        </p:nvSpPr>
+        <p:spPr>
+          <a:xfrm>
+            <a:off x="537529" y="1165779"/>
+            <a:ext cx="8526144" cy="3601085"/>
+          </a:xfrm>
+        </p:spPr>
+        <p:txBody>
+          <a:bodyPr/>
+          <a:p>
+            <a:pPr marL="285750" indent="-285750">
+              <a:buFont typeface="Arial" panose="020B0604020202020204" pitchFamily="34" charset="0"/>
+              <a:buChar char="•"/>
+            </a:pPr>
+            <a:r>
+              <a:rPr lang="en-US" altLang="en-US" b="1"/>
+              <a:t>Intelligent Conversational Interface</a:t>
+            </a:r>
+            <a:r>
+              <a:rPr lang="en-US" altLang="en-US"/>
+              <a:t>: Users can interact with HyperFin via text or voice, asking questions and receiving personalized financial advice.</a:t>
+            </a:r>
+            <a:endParaRPr lang="en-US" altLang="en-US"/>
+          </a:p>
+          <a:p>
+            <a:pPr marL="285750" indent="-285750">
+              <a:buFont typeface="Arial" panose="020B0604020202020204" pitchFamily="34" charset="0"/>
+              <a:buChar char="•"/>
+            </a:pPr>
+            <a:r>
+              <a:rPr lang="en-US" altLang="en-US" b="1"/>
+              <a:t>Emotional Sentiment Analysis</a:t>
+            </a:r>
+            <a:r>
+              <a:rPr lang="en-US" altLang="en-US"/>
+              <a:t>: </a:t>
+            </a:r>
+            <a:r>
+              <a:rPr lang="en-US" altLang="en-US">
+                <a:sym typeface="+mn-ea"/>
+              </a:rPr>
+              <a:t>HyperFin </a:t>
+            </a:r>
+            <a:r>
+              <a:rPr lang="en-US" altLang="en-US"/>
+              <a:t>understands users' emotional states related to their finances, providing empathetic and supportive guidance.</a:t>
+            </a:r>
+            <a:endParaRPr lang="en-US" altLang="en-US"/>
+          </a:p>
+          <a:p>
+            <a:pPr marL="285750" indent="-285750">
+              <a:buFont typeface="Arial" panose="020B0604020202020204" pitchFamily="34" charset="0"/>
+              <a:buChar char="•"/>
+            </a:pPr>
+            <a:r>
+              <a:rPr lang="en-US" altLang="en-US" b="1"/>
+              <a:t>Causal Insight Generation:</a:t>
+            </a:r>
+            <a:r>
+              <a:rPr lang="en-US" altLang="en-US"/>
+              <a:t> The system identifies the "why" behind financial patterns, offering actionable recommendations based on causal relationships, not just correlations.</a:t>
+            </a:r>
+            <a:endParaRPr lang="en-US" altLang="en-US"/>
+          </a:p>
+          <a:p>
+            <a:pPr marL="285750" indent="-285750">
+              <a:buFont typeface="Arial" panose="020B0604020202020204" pitchFamily="34" charset="0"/>
+              <a:buChar char="•"/>
+            </a:pPr>
+            <a:r>
+              <a:rPr lang="en-US" altLang="en-US" b="1"/>
+              <a:t>Resource Integration</a:t>
+            </a:r>
+            <a:r>
+              <a:rPr lang="en-US" altLang="en-US"/>
+              <a:t>: HyperFin connects users with relevant financial resources, including banks, credit unions, workshops, and investment opportunities, and provides businesses with insights into customer financial behavior.</a:t>
+            </a:r>
+            <a:endParaRPr lang="en-US" altLang="en-US"/>
+          </a:p>
+          <a:p>
+            <a:pPr marL="285750" indent="-285750">
+              <a:buFont typeface="Arial" panose="020B0604020202020204" pitchFamily="34" charset="0"/>
+              <a:buChar char="•"/>
+            </a:pPr>
+            <a:r>
+              <a:rPr lang="en-US" altLang="en-US" b="1"/>
+              <a:t>Proactive Recommendations</a:t>
+            </a:r>
+            <a:r>
+              <a:rPr lang="en-US" altLang="en-US"/>
+              <a:t>: The system monitors user data and relevant events, pushing personalized insights and opportunities before users even ask, and offers businesses targeted marketing and customer engagement strategies.</a:t>
+            </a:r>
+            <a:endParaRPr lang="en-US" altLang="en-US"/>
+          </a:p>
+        </p:txBody>
+      </p:sp>
+    </p:spTree>
+  </p:cSld>
+  <p:clrMapOvr>
+    <a:masterClrMapping/>
+  </p:clrMapOvr>
+</p:sld>
+</file>
+
+<file path=ppt/slides/slide7.xml><?xml version="1.0" encoding="utf-8"?>
+<p:sld xmlns:a="http://schemas.openxmlformats.org/drawingml/2006/main" xmlns:r="http://schemas.openxmlformats.org/officeDocument/2006/relationships" xmlns:p="http://schemas.openxmlformats.org/presentationml/2006/main">
+  <p:cSld>
+    <p:spTree>
+      <p:nvGrpSpPr>
+        <p:cNvPr id="1" name=""/>
+        <p:cNvGrpSpPr/>
+        <p:nvPr/>
+      </p:nvGrpSpPr>
+      <p:grpSpPr/>
+      <p:sp>
+        <p:nvSpPr>
+          <p:cNvPr id="2" name="Title 1"/>
+          <p:cNvSpPr>
+            <a:spLocks noGrp="1"/>
+          </p:cNvSpPr>
+          <p:nvPr>
+            <p:ph type="title"/>
+          </p:nvPr>
+        </p:nvSpPr>
+        <p:spPr>
+          <a:xfrm>
+            <a:off x="535945" y="276616"/>
+            <a:ext cx="8529319" cy="492125"/>
+          </a:xfrm>
+        </p:spPr>
+        <p:txBody>
+          <a:bodyPr/>
+          <a:p>
+            <a:r>
+              <a:rPr lang="en-US" altLang="en-US"/>
+              <a:t>How HyperFin Benefits Individuals</a:t>
+            </a:r>
+            <a:endParaRPr lang="en-US" altLang="en-US"/>
+          </a:p>
+        </p:txBody>
+      </p:sp>
+      <p:sp>
+        <p:nvSpPr>
+          <p:cNvPr id="3" name="Text Placeholder 2"/>
+          <p:cNvSpPr>
+            <a:spLocks noGrp="1"/>
+          </p:cNvSpPr>
+          <p:nvPr>
+            <p:ph type="body" idx="1"/>
+          </p:nvPr>
+        </p:nvSpPr>
+        <p:spPr>
+          <a:xfrm>
+            <a:off x="537529" y="1165779"/>
+            <a:ext cx="8526144" cy="2493010"/>
+          </a:xfrm>
+        </p:spPr>
+        <p:txBody>
+          <a:bodyPr/>
+          <a:p>
+            <a:pPr marL="285750" indent="-285750">
+              <a:buFont typeface="Arial" panose="020B0604020202020204" pitchFamily="34" charset="0"/>
+              <a:buChar char="•"/>
+            </a:pPr>
+            <a:r>
+              <a:rPr lang="en-US" altLang="en-US" b="1"/>
+              <a:t>Personalized Financial Planning:</a:t>
+            </a:r>
+            <a:r>
+              <a:rPr lang="en-US" altLang="en-US"/>
+              <a:t> Tailored advice based on individual financial situations and goals.</a:t>
+            </a:r>
+            <a:endParaRPr lang="en-US" altLang="en-US"/>
+          </a:p>
+          <a:p>
+            <a:pPr marL="285750" indent="-285750">
+              <a:buFont typeface="Arial" panose="020B0604020202020204" pitchFamily="34" charset="0"/>
+              <a:buChar char="•"/>
+            </a:pPr>
+            <a:r>
+              <a:rPr lang="en-US" altLang="en-US" b="1"/>
+              <a:t>Emotional Support:</a:t>
+            </a:r>
+            <a:r>
+              <a:rPr lang="en-US" altLang="en-US"/>
+              <a:t> Empathetic guidance that acknowledges the emotional aspects of financial management.</a:t>
+            </a:r>
+            <a:endParaRPr lang="en-US" altLang="en-US"/>
+          </a:p>
+          <a:p>
+            <a:pPr marL="285750" indent="-285750">
+              <a:buFont typeface="Arial" panose="020B0604020202020204" pitchFamily="34" charset="0"/>
+              <a:buChar char="•"/>
+            </a:pPr>
+            <a:r>
+              <a:rPr lang="en-US" altLang="en-US" b="1"/>
+              <a:t>Resource Discovery:</a:t>
+            </a:r>
+            <a:r>
+              <a:rPr lang="en-US" altLang="en-US"/>
+              <a:t> Easy access to relevant financial services and opportunities.</a:t>
+            </a:r>
+            <a:endParaRPr lang="en-US" altLang="en-US"/>
+          </a:p>
+          <a:p>
+            <a:pPr marL="285750" indent="-285750">
+              <a:buFont typeface="Arial" panose="020B0604020202020204" pitchFamily="34" charset="0"/>
+              <a:buChar char="•"/>
+            </a:pPr>
+            <a:r>
+              <a:rPr lang="en-US" altLang="en-US" b="1"/>
+              <a:t>Informed Decision-Making</a:t>
+            </a:r>
+            <a:r>
+              <a:rPr lang="en-US" altLang="en-US"/>
+              <a:t>: Actionable insights based on causal relationships and real-time data.</a:t>
+            </a:r>
+            <a:endParaRPr lang="en-US" altLang="en-US"/>
+          </a:p>
+          <a:p>
+            <a:pPr marL="285750" indent="-285750">
+              <a:buFont typeface="Arial" panose="020B0604020202020204" pitchFamily="34" charset="0"/>
+              <a:buChar char="•"/>
+            </a:pPr>
+            <a:r>
+              <a:rPr lang="en-US" altLang="en-US" b="1"/>
+              <a:t>Financial Empowerment:</a:t>
+            </a:r>
+            <a:r>
+              <a:rPr lang="en-US" altLang="en-US"/>
+              <a:t> Proactive guidance and education to improve financial literacy and well-being.</a:t>
+            </a:r>
+            <a:endParaRPr lang="en-US" altLang="en-US"/>
+          </a:p>
+        </p:txBody>
+      </p:sp>
+    </p:spTree>
+  </p:cSld>
+  <p:clrMapOvr>
+    <a:masterClrMapping/>
+  </p:clrMapOvr>
+</p:sld>
+</file>
+
+<file path=ppt/slides/slide8.xml><?xml version="1.0" encoding="utf-8"?>
+<p:sld xmlns:a="http://schemas.openxmlformats.org/drawingml/2006/main" xmlns:r="http://schemas.openxmlformats.org/officeDocument/2006/relationships" xmlns:p="http://schemas.openxmlformats.org/presentationml/2006/main">
+  <p:cSld>
+    <p:spTree>
+      <p:nvGrpSpPr>
+        <p:cNvPr id="1" name=""/>
+        <p:cNvGrpSpPr/>
+        <p:nvPr/>
+      </p:nvGrpSpPr>
+      <p:grpSpPr/>
+      <p:sp>
+        <p:nvSpPr>
+          <p:cNvPr id="2" name="Title 1"/>
+          <p:cNvSpPr>
+            <a:spLocks noGrp="1"/>
+          </p:cNvSpPr>
+          <p:nvPr>
+            <p:ph type="title"/>
+          </p:nvPr>
+        </p:nvSpPr>
+        <p:spPr>
+          <a:xfrm>
+            <a:off x="535945" y="276616"/>
+            <a:ext cx="8529319" cy="492125"/>
+          </a:xfrm>
+        </p:spPr>
+        <p:txBody>
+          <a:bodyPr/>
+          <a:p>
+            <a:r>
+              <a:rPr lang="en-US" altLang="en-US"/>
+              <a:t>How HyperFin Benefits Business Providers</a:t>
+            </a:r>
+            <a:endParaRPr lang="en-US" altLang="en-US"/>
+          </a:p>
+        </p:txBody>
+      </p:sp>
+      <p:sp>
+        <p:nvSpPr>
+          <p:cNvPr id="3" name="Text Placeholder 2"/>
+          <p:cNvSpPr>
+            <a:spLocks noGrp="1"/>
+          </p:cNvSpPr>
+          <p:nvPr>
+            <p:ph type="body" idx="1"/>
+          </p:nvPr>
+        </p:nvSpPr>
+        <p:spPr>
+          <a:xfrm>
+            <a:off x="538799" y="1295319"/>
+            <a:ext cx="8526144" cy="2769870"/>
+          </a:xfrm>
+        </p:spPr>
+        <p:txBody>
+          <a:bodyPr/>
+          <a:p>
+            <a:pPr marL="285750" indent="-285750">
+              <a:buFont typeface="Arial" panose="020B0604020202020204" pitchFamily="34" charset="0"/>
+              <a:buChar char="•"/>
+            </a:pPr>
+            <a:r>
+              <a:rPr lang="en-US" altLang="en-US" b="1"/>
+              <a:t>Targeted Marketing</a:t>
+            </a:r>
+            <a:r>
+              <a:rPr lang="en-US" altLang="en-US"/>
+              <a:t>: Businesses can leverage insights into customer financial behavior to create targeted marketing campaigns.</a:t>
+            </a:r>
+            <a:endParaRPr lang="en-US" altLang="en-US"/>
+          </a:p>
+          <a:p>
+            <a:pPr marL="285750" indent="-285750">
+              <a:buFont typeface="Arial" panose="020B0604020202020204" pitchFamily="34" charset="0"/>
+              <a:buChar char="•"/>
+            </a:pPr>
+            <a:r>
+              <a:rPr lang="en-US" altLang="en-US" b="1"/>
+              <a:t>Customer Engagement</a:t>
+            </a:r>
+            <a:r>
+              <a:rPr lang="en-US" altLang="en-US"/>
+              <a:t>: HyperFin facilitates personalized customer interactions, fostering stronger relationships.</a:t>
+            </a:r>
+            <a:endParaRPr lang="en-US" altLang="en-US"/>
+          </a:p>
+          <a:p>
+            <a:pPr marL="285750" indent="-285750">
+              <a:buFont typeface="Arial" panose="020B0604020202020204" pitchFamily="34" charset="0"/>
+              <a:buChar char="•"/>
+            </a:pPr>
+            <a:r>
+              <a:rPr lang="en-US" altLang="en-US" b="1"/>
+              <a:t>Financial Product Placement</a:t>
+            </a:r>
+            <a:r>
+              <a:rPr lang="en-US" altLang="en-US"/>
+              <a:t>: Businesses can promote financial products and services to relevant customer segments.</a:t>
+            </a:r>
+            <a:endParaRPr lang="en-US" altLang="en-US"/>
+          </a:p>
+          <a:p>
+            <a:pPr marL="285750" indent="-285750">
+              <a:buFont typeface="Arial" panose="020B0604020202020204" pitchFamily="34" charset="0"/>
+              <a:buChar char="•"/>
+            </a:pPr>
+            <a:r>
+              <a:rPr lang="en-US" altLang="en-US" b="1"/>
+              <a:t>Market Analysis</a:t>
+            </a:r>
+            <a:r>
+              <a:rPr lang="en-US" altLang="en-US"/>
+              <a:t>: HyperFin provides businesses with data-driven insights into market trends.</a:t>
+            </a:r>
+            <a:endParaRPr lang="en-US" altLang="en-US"/>
+          </a:p>
+          <a:p>
+            <a:pPr marL="285750" indent="-285750">
+              <a:buFont typeface="Arial" panose="020B0604020202020204" pitchFamily="34" charset="0"/>
+              <a:buChar char="•"/>
+            </a:pPr>
+            <a:r>
+              <a:rPr lang="en-US" altLang="en-US" b="1"/>
+              <a:t>Risk Assessment</a:t>
+            </a:r>
+            <a:r>
+              <a:rPr lang="en-US" altLang="en-US"/>
+              <a:t>: Businesses can use HyperFin to assess customer creditworthiness and reduce financial risk.</a:t>
+            </a:r>
+            <a:endParaRPr lang="en-US" altLang="en-US"/>
+          </a:p>
+        </p:txBody>
+      </p:sp>
+    </p:spTree>
+  </p:cSld>
+  <p:clrMapOvr>
+    <a:masterClrMapping/>
+  </p:clrMapOvr>
+</p:sld>
+</file>
+
 <file path=ppt/slides/slide9.xml><?xml version="1.0" encoding="utf-8"?>
 <p:sld xmlns:a="http://schemas.openxmlformats.org/drawingml/2006/main" xmlns:r="http://schemas.openxmlformats.org/officeDocument/2006/relationships" xmlns:p="http://schemas.openxmlformats.org/presentationml/2006/main">
   <p:cSld>
@@ -4526,12 +4991,8 @@
           <a:bodyPr/>
           <a:p>
             <a:r>
-              <a:rPr lang="en-US" altLang="en-US"/>
-              <a:t>Technical </a:t>
-            </a:r>
-            <a:r>
               <a:rPr lang="en-IN" altLang="en-US"/>
-              <a:t>Stack</a:t>
+              <a:t>Techcnical Overview</a:t>
             </a:r>
             <a:endParaRPr lang="en-IN" altLang="en-US"/>
           </a:p>
@@ -4550,12 +5011,21 @@
         <p:spPr>
           <a:xfrm>
             <a:off x="537529" y="1165779"/>
-            <a:ext cx="8526144" cy="4431665"/>
+            <a:ext cx="8526144" cy="5262880"/>
           </a:xfrm>
         </p:spPr>
         <p:txBody>
           <a:bodyPr/>
           <a:p>
+            <a:r>
+              <a:rPr lang="en-IN" altLang="en-US" dirty="0">
+                <a:sym typeface="+mn-ea"/>
+              </a:rPr>
+              <a:t>Following are the components in the solution:</a:t>
+            </a:r>
+            <a:endParaRPr lang="en-IN" altLang="en-US" dirty="0"/>
+          </a:p>
+          <a:p>
             <a:pPr marL="285750" indent="-285750">
               <a:buFont typeface="Arial" panose="020B0604020202020204" pitchFamily="34" charset="0"/>
               <a:buChar char="•"/>
@@ -4564,13 +5034,20 @@
               <a:rPr lang="en-US" altLang="en-US" b="1" dirty="0">
                 <a:sym typeface="+mn-ea"/>
               </a:rPr>
-              <a:t>Backend</a:t>
-            </a:r>
+              <a:t>Conversational Engine</a:t>
+            </a:r>
+            <a:endParaRPr lang="en-IN" altLang="en-US" dirty="0"/>
+          </a:p>
+          <a:p>
+            <a:pPr marL="742950" lvl="1" indent="-285750">
+              <a:buFont typeface="Arial" panose="020B0604020202020204" pitchFamily="34" charset="0"/>
+              <a:buChar char="•"/>
+            </a:pPr>
             <a:r>
               <a:rPr lang="en-US" altLang="en-US" dirty="0">
                 <a:sym typeface="+mn-ea"/>
               </a:rPr>
-              <a:t>: Django (Python)</a:t>
+              <a:t>Acts as the entry point for user interactions (text or voice). It manages conversation context, routes requests to appropriate services, and synthesizes responses.</a:t>
             </a:r>
             <a:endParaRPr lang="en-US" altLang="en-US" dirty="0"/>
           </a:p>
@@ -4580,14 +5057,45 @@
               <a:buChar char="•"/>
             </a:pPr>
             <a:r>
+              <a:rPr lang="en-US" altLang="en-US" dirty="0" err="1">
+                <a:sym typeface="+mn-ea"/>
+              </a:rPr>
+              <a:t>OpenAPI</a:t>
+            </a:r>
+            <a:r>
               <a:rPr lang="en-US" altLang="en-US" dirty="0">
                 <a:sym typeface="+mn-ea"/>
               </a:rPr>
-              <a:t>Frontend: HTML, CSS, JavaScript</a:t>
+              <a:t> </a:t>
+            </a:r>
+            <a:r>
+              <a:rPr lang="en-US" altLang="en-US" dirty="0" err="1">
+                <a:sym typeface="+mn-ea"/>
+              </a:rPr>
+              <a:t>gpt</a:t>
+            </a:r>
+            <a:r>
+              <a:rPr lang="en-US" altLang="en-US" dirty="0">
+                <a:sym typeface="+mn-ea"/>
+              </a:rPr>
+              <a:t> 4.0 mini has been leveraged here. Data has been fed into the same and appropriate responses are generated</a:t>
             </a:r>
             <a:endParaRPr lang="en-US" altLang="en-US" dirty="0"/>
           </a:p>
           <a:p>
+            <a:pPr marL="285750" indent="-285750">
+              <a:buFont typeface="Arial" panose="020B0604020202020204" pitchFamily="34" charset="0"/>
+              <a:buChar char="•"/>
+            </a:pPr>
+            <a:r>
+              <a:rPr lang="en-US" altLang="en-US" b="1" dirty="0">
+                <a:sym typeface="+mn-ea"/>
+              </a:rPr>
+              <a:t>Sentiment Analysis Service</a:t>
+            </a:r>
+            <a:endParaRPr lang="en-US" altLang="en-US" b="1" dirty="0"/>
+          </a:p>
+          <a:p>
             <a:pPr marL="742950" lvl="1" indent="-285750">
               <a:buFont typeface="Arial" panose="020B0604020202020204" pitchFamily="34" charset="0"/>
               <a:buChar char="•"/>
@@ -4596,7 +5104,7 @@
               <a:rPr lang="en-US" altLang="en-US" dirty="0">
                 <a:sym typeface="+mn-ea"/>
               </a:rPr>
-              <a:t>Database: Pandas for data manipulation (Excel files)</a:t>
+              <a:t>Performs real-time sentiment analysis on user input to detect emotional states related to financial topics.</a:t>
             </a:r>
             <a:endParaRPr lang="en-US" altLang="en-US" dirty="0"/>
           </a:p>
@@ -4609,7 +5117,7 @@
               <a:rPr lang="en-US" altLang="en-US" dirty="0">
                 <a:sym typeface="+mn-ea"/>
               </a:rPr>
-              <a:t>APIs: Hugging Face zephyr-7b-beta API, OpenAI API, </a:t>
+              <a:t>Social media activities data has been leveraged and fed into BERT based model (</a:t>
             </a:r>
             <a:r>
               <a:rPr lang="en-IN" dirty="0" err="1">
@@ -4641,6 +5149,12 @@
               </a:rPr>
               <a:t>go_emotions</a:t>
             </a:r>
+            <a:r>
+              <a:rPr lang="en-IN" dirty="0">
+                <a:sym typeface="+mn-ea"/>
+              </a:rPr>
+              <a:t>)</a:t>
+            </a:r>
             <a:endParaRPr lang="en-US" altLang="en-US" dirty="0"/>
           </a:p>
           <a:p>
@@ -4652,13 +5166,20 @@
               <a:rPr lang="en-US" altLang="en-US" b="1" dirty="0">
                 <a:sym typeface="+mn-ea"/>
               </a:rPr>
-              <a:t>Large Language Models (LLMs)</a:t>
-            </a:r>
+              <a:t>Proactive Recommendation Engine</a:t>
+            </a:r>
+            <a:endParaRPr lang="en-US" altLang="en-US" b="1" dirty="0"/>
+          </a:p>
+          <a:p>
+            <a:pPr marL="742950" lvl="1" indent="-285750">
+              <a:buFont typeface="Arial" panose="020B0604020202020204" pitchFamily="34" charset="0"/>
+              <a:buChar char="•"/>
+            </a:pPr>
             <a:r>
               <a:rPr lang="en-US" altLang="en-US" dirty="0">
                 <a:sym typeface="+mn-ea"/>
               </a:rPr>
-              <a:t>:</a:t>
+              <a:t>Monitors user data and triggers proactive notifications based on predefined rules and learned patterns.</a:t>
             </a:r>
             <a:endParaRPr lang="en-US" altLang="en-US" dirty="0"/>
           </a:p>
@@ -4671,11 +5192,24 @@
               <a:rPr lang="en-US" altLang="en-US" dirty="0">
                 <a:sym typeface="+mn-ea"/>
               </a:rPr>
-              <a:t>Hugging Face Models: Used for sentiment analysis and text classification</a:t>
+              <a:t>Statistically matched data between resources and customer profile, transactions are fed into HuggingFaceH4/zephyr-7b-beta model by building appropriate prompt.</a:t>
             </a:r>
             <a:endParaRPr lang="en-US" altLang="en-US" dirty="0"/>
           </a:p>
           <a:p>
+            <a:pPr marL="285750" indent="-285750">
+              <a:buFont typeface="Arial" panose="020B0604020202020204" pitchFamily="34" charset="0"/>
+              <a:buChar char="•"/>
+            </a:pPr>
+            <a:r>
+              <a:rPr lang="en-US" altLang="en-US" b="1" dirty="0">
+                <a:sym typeface="+mn-ea"/>
+              </a:rPr>
+              <a:t>Resource Integration Service</a:t>
+            </a:r>
+            <a:endParaRPr lang="en-US" altLang="en-US" b="1" dirty="0"/>
+          </a:p>
+          <a:p>
             <a:pPr marL="742950" lvl="1" indent="-285750">
               <a:buFont typeface="Arial" panose="020B0604020202020204" pitchFamily="34" charset="0"/>
               <a:buChar char="•"/>
@@ -4684,97 +5218,7 @@
               <a:rPr lang="en-US" altLang="en-US" dirty="0">
                 <a:sym typeface="+mn-ea"/>
               </a:rPr>
-              <a:t>OpenAI GPT-4: Used for generating empathetic financial advice</a:t>
-            </a:r>
-            <a:endParaRPr lang="en-US" altLang="en-US" dirty="0"/>
-          </a:p>
-          <a:p>
-            <a:pPr marL="285750" indent="-285750">
-              <a:buFont typeface="Arial" panose="020B0604020202020204" pitchFamily="34" charset="0"/>
-              <a:buChar char="•"/>
-            </a:pPr>
-            <a:r>
-              <a:rPr lang="en-US" altLang="en-US" b="1" dirty="0">
-                <a:sym typeface="+mn-ea"/>
-              </a:rPr>
-              <a:t>Data Loading and Processing</a:t>
-            </a:r>
-            <a:r>
-              <a:rPr lang="en-US" altLang="en-US" dirty="0">
-                <a:sym typeface="+mn-ea"/>
-              </a:rPr>
-              <a:t>:</a:t>
-            </a:r>
-            <a:endParaRPr lang="en-US" altLang="en-US" dirty="0"/>
-          </a:p>
-          <a:p>
-            <a:pPr marL="742950" lvl="1" indent="-285750">
-              <a:buFont typeface="Arial" panose="020B0604020202020204" pitchFamily="34" charset="0"/>
-              <a:buChar char="•"/>
-            </a:pPr>
-            <a:r>
-              <a:rPr lang="en-US" altLang="en-US" dirty="0">
-                <a:sym typeface="+mn-ea"/>
-              </a:rPr>
-              <a:t>Data Loader: Loads customer data, transactions, social media posts, and provider information from Excel files</a:t>
-            </a:r>
-            <a:endParaRPr lang="en-US" altLang="en-US" dirty="0"/>
-          </a:p>
-          <a:p>
-            <a:pPr marL="742950" lvl="1" indent="-285750">
-              <a:buFont typeface="Arial" panose="020B0604020202020204" pitchFamily="34" charset="0"/>
-              <a:buChar char="•"/>
-            </a:pPr>
-            <a:r>
-              <a:rPr lang="en-US" altLang="en-US" dirty="0">
-                <a:sym typeface="+mn-ea"/>
-              </a:rPr>
-              <a:t>Pandas: Used for data manipulation and analysis</a:t>
-            </a:r>
-            <a:endParaRPr lang="en-US" altLang="en-US" dirty="0"/>
-          </a:p>
-          <a:p>
-            <a:pPr marL="285750" indent="-285750">
-              <a:buFont typeface="Arial" panose="020B0604020202020204" pitchFamily="34" charset="0"/>
-              <a:buChar char="•"/>
-            </a:pPr>
-            <a:r>
-              <a:rPr lang="en-US" altLang="en-US" b="1" dirty="0">
-                <a:sym typeface="+mn-ea"/>
-              </a:rPr>
-              <a:t>Sentiment Analysis</a:t>
-            </a:r>
-            <a:r>
-              <a:rPr lang="en-US" altLang="en-US" dirty="0">
-                <a:sym typeface="+mn-ea"/>
-              </a:rPr>
-              <a:t>:</a:t>
-            </a:r>
-            <a:endParaRPr lang="en-US" altLang="en-US" dirty="0"/>
-          </a:p>
-          <a:p>
-            <a:pPr marL="742950" lvl="1" indent="-285750">
-              <a:buFont typeface="Arial" panose="020B0604020202020204" pitchFamily="34" charset="0"/>
-              <a:buChar char="•"/>
-            </a:pPr>
-            <a:r>
-              <a:rPr lang="en-US" altLang="en-US" dirty="0">
-                <a:sym typeface="+mn-ea"/>
-              </a:rPr>
-              <a:t>Hugging BERT based model API: Analyzes social media posts to determine the customer's emotional state</a:t>
-            </a:r>
-            <a:endParaRPr lang="en-US" altLang="en-US" dirty="0"/>
-          </a:p>
-          <a:p>
-            <a:pPr marL="742950" lvl="1" indent="-285750">
-              <a:buFont typeface="Arial" panose="020B0604020202020204" pitchFamily="34" charset="0"/>
-              <a:buChar char="•"/>
-            </a:pPr>
-            <a:r>
-              <a:rPr lang="en-US" altLang="en-US" dirty="0">
-                <a:sym typeface="+mn-ea"/>
-              </a:rPr>
-              <a:t>Sentiment Scores: Aggregates sentiment scores and identifies primary emotions</a:t>
+              <a:t>Retrieves and aggregates data from heterogeneous sources, including customer related data, local businesses, financial events, and market data.</a:t>
             </a:r>
             <a:endParaRPr lang="en-US" altLang="en-US"/>
           </a:p>
